--- a/handOutSources/PSNath SE to SF Profile.pptx
+++ b/handOutSources/PSNath SE to SF Profile.pptx
@@ -5,20 +5,24 @@
     <p:sldMasterId id="2147484587" r:id="rId1"/>
   </p:sldMasterIdLst>
   <p:notesMasterIdLst>
-    <p:notesMasterId r:id="rId10"/>
+    <p:notesMasterId r:id="rId11"/>
   </p:notesMasterIdLst>
+  <p:handoutMasterIdLst>
+    <p:handoutMasterId r:id="rId12"/>
+  </p:handoutMasterIdLst>
   <p:sldIdLst>
     <p:sldId id="287" r:id="rId2"/>
     <p:sldId id="288" r:id="rId3"/>
-    <p:sldId id="257" r:id="rId4"/>
-    <p:sldId id="289" r:id="rId5"/>
-    <p:sldId id="291" r:id="rId6"/>
-    <p:sldId id="293" r:id="rId7"/>
-    <p:sldId id="292" r:id="rId8"/>
-    <p:sldId id="276" r:id="rId9"/>
+    <p:sldId id="294" r:id="rId4"/>
+    <p:sldId id="257" r:id="rId5"/>
+    <p:sldId id="289" r:id="rId6"/>
+    <p:sldId id="291" r:id="rId7"/>
+    <p:sldId id="293" r:id="rId8"/>
+    <p:sldId id="292" r:id="rId9"/>
+    <p:sldId id="276" r:id="rId10"/>
   </p:sldIdLst>
   <p:sldSz cx="12192000" cy="6858000"/>
-  <p:notesSz cx="7099300" cy="10234613"/>
+  <p:notesSz cx="6797675" cy="9926638"/>
   <p:defaultTextStyle>
     <a:defPPr>
       <a:defRPr lang="en-US"/>
@@ -2686,6 +2690,171 @@
 </dgm:styleDef>
 </file>
 
+<file path=ppt/handoutMasters/handoutMaster1.xml><?xml version="1.0" encoding="utf-8"?>
+<p:handoutMaster xmlns:a="http://schemas.openxmlformats.org/drawingml/2006/main" xmlns:r="http://schemas.openxmlformats.org/officeDocument/2006/relationships" xmlns:p="http://schemas.openxmlformats.org/presentationml/2006/main">
+  <p:cSld>
+    <p:bg>
+      <p:bgRef idx="1001">
+        <a:schemeClr val="bg1"/>
+      </p:bgRef>
+    </p:bg>
+    <p:spTree>
+      <p:nvGrpSpPr>
+        <p:cNvPr id="1" name=""/>
+        <p:cNvGrpSpPr/>
+        <p:nvPr/>
+      </p:nvGrpSpPr>
+      <p:grpSpPr>
+        <a:xfrm>
+          <a:off x="0" y="0"/>
+          <a:ext cx="0" cy="0"/>
+          <a:chOff x="0" y="0"/>
+          <a:chExt cx="0" cy="0"/>
+        </a:xfrm>
+      </p:grpSpPr>
+      <p:sp>
+        <p:nvSpPr>
+          <p:cNvPr id="2" name="Header Placeholder 1"/>
+          <p:cNvSpPr>
+            <a:spLocks noGrp="1"/>
+          </p:cNvSpPr>
+          <p:nvPr>
+            <p:ph type="hdr" sz="quarter"/>
+          </p:nvPr>
+        </p:nvSpPr>
+        <p:spPr>
+          <a:xfrm>
+            <a:off x="0" y="1"/>
+            <a:ext cx="2945862" cy="497333"/>
+          </a:xfrm>
+          <a:prstGeom prst="rect">
+            <a:avLst/>
+          </a:prstGeom>
+        </p:spPr>
+        <p:txBody>
+          <a:bodyPr vert="horz" lIns="88221" tIns="44111" rIns="88221" bIns="44111" rtlCol="0"/>
+          <a:lstStyle>
+            <a:lvl1pPr algn="l">
+              <a:defRPr sz="1200"/>
+            </a:lvl1pPr>
+          </a:lstStyle>
+          <a:p>
+            <a:endParaRPr lang="en-IN"/>
+          </a:p>
+        </p:txBody>
+      </p:sp>
+      <p:sp>
+        <p:nvSpPr>
+          <p:cNvPr id="3" name="Date Placeholder 2"/>
+          <p:cNvSpPr>
+            <a:spLocks noGrp="1"/>
+          </p:cNvSpPr>
+          <p:nvPr>
+            <p:ph type="dt" sz="quarter" idx="1"/>
+          </p:nvPr>
+        </p:nvSpPr>
+        <p:spPr>
+          <a:xfrm>
+            <a:off x="3850294" y="1"/>
+            <a:ext cx="2945862" cy="497333"/>
+          </a:xfrm>
+          <a:prstGeom prst="rect">
+            <a:avLst/>
+          </a:prstGeom>
+        </p:spPr>
+        <p:txBody>
+          <a:bodyPr vert="horz" lIns="88221" tIns="44111" rIns="88221" bIns="44111" rtlCol="0"/>
+          <a:lstStyle>
+            <a:lvl1pPr algn="r">
+              <a:defRPr sz="1200"/>
+            </a:lvl1pPr>
+          </a:lstStyle>
+          <a:p>
+            <a:fld id="{E0E2762B-601A-46DF-B2E5-86A20C9436BF}" type="datetimeFigureOut">
+              <a:rPr lang="en-IN" smtClean="0"/>
+              <a:t>05-06-2020</a:t>
+            </a:fld>
+            <a:endParaRPr lang="en-IN"/>
+          </a:p>
+        </p:txBody>
+      </p:sp>
+      <p:sp>
+        <p:nvSpPr>
+          <p:cNvPr id="4" name="Footer Placeholder 3"/>
+          <p:cNvSpPr>
+            <a:spLocks noGrp="1"/>
+          </p:cNvSpPr>
+          <p:nvPr>
+            <p:ph type="ftr" sz="quarter" idx="2"/>
+          </p:nvPr>
+        </p:nvSpPr>
+        <p:spPr>
+          <a:xfrm>
+            <a:off x="0" y="9429305"/>
+            <a:ext cx="2945862" cy="497333"/>
+          </a:xfrm>
+          <a:prstGeom prst="rect">
+            <a:avLst/>
+          </a:prstGeom>
+        </p:spPr>
+        <p:txBody>
+          <a:bodyPr vert="horz" lIns="88221" tIns="44111" rIns="88221" bIns="44111" rtlCol="0" anchor="b"/>
+          <a:lstStyle>
+            <a:lvl1pPr algn="l">
+              <a:defRPr sz="1200"/>
+            </a:lvl1pPr>
+          </a:lstStyle>
+          <a:p>
+            <a:endParaRPr lang="en-IN"/>
+          </a:p>
+        </p:txBody>
+      </p:sp>
+      <p:sp>
+        <p:nvSpPr>
+          <p:cNvPr id="5" name="Slide Number Placeholder 4"/>
+          <p:cNvSpPr>
+            <a:spLocks noGrp="1"/>
+          </p:cNvSpPr>
+          <p:nvPr>
+            <p:ph type="sldNum" sz="quarter" idx="3"/>
+          </p:nvPr>
+        </p:nvSpPr>
+        <p:spPr>
+          <a:xfrm>
+            <a:off x="3850294" y="9429305"/>
+            <a:ext cx="2945862" cy="497333"/>
+          </a:xfrm>
+          <a:prstGeom prst="rect">
+            <a:avLst/>
+          </a:prstGeom>
+        </p:spPr>
+        <p:txBody>
+          <a:bodyPr vert="horz" lIns="88221" tIns="44111" rIns="88221" bIns="44111" rtlCol="0" anchor="b"/>
+          <a:lstStyle>
+            <a:lvl1pPr algn="r">
+              <a:defRPr sz="1200"/>
+            </a:lvl1pPr>
+          </a:lstStyle>
+          <a:p>
+            <a:fld id="{32BD3ECE-E5B1-4F65-8863-9BBBB2B122AA}" type="slidenum">
+              <a:rPr lang="en-IN" smtClean="0"/>
+              <a:t>‹#›</a:t>
+            </a:fld>
+            <a:endParaRPr lang="en-IN"/>
+          </a:p>
+        </p:txBody>
+      </p:sp>
+    </p:spTree>
+    <p:extLst>
+      <p:ext uri="{BB962C8B-B14F-4D97-AF65-F5344CB8AC3E}">
+        <p14:creationId xmlns:p14="http://schemas.microsoft.com/office/powerpoint/2010/main" val="3852396234"/>
+      </p:ext>
+    </p:extLst>
+  </p:cSld>
+  <p:clrMap bg1="lt1" tx1="dk1" bg2="lt2" tx2="dk2" accent1="accent1" accent2="accent2" accent3="accent3" accent4="accent4" accent5="accent5" accent6="accent6" hlink="hlink" folHlink="folHlink"/>
+</p:handoutMaster>
+</file>
+
 <file path=ppt/notesMasters/notesMaster1.xml><?xml version="1.0" encoding="utf-8"?>
 <p:notesMaster xmlns:a="http://schemas.openxmlformats.org/drawingml/2006/main" xmlns:r="http://schemas.openxmlformats.org/officeDocument/2006/relationships" xmlns:p="http://schemas.openxmlformats.org/presentationml/2006/main">
   <p:cSld>
@@ -2721,14 +2890,14 @@
         <p:spPr>
           <a:xfrm>
             <a:off x="0" y="0"/>
-            <a:ext cx="3076363" cy="513508"/>
+            <a:ext cx="2945659" cy="498056"/>
           </a:xfrm>
           <a:prstGeom prst="rect">
             <a:avLst/>
           </a:prstGeom>
         </p:spPr>
         <p:txBody>
-          <a:bodyPr vert="horz" lIns="99048" tIns="49524" rIns="99048" bIns="49524" rtlCol="0"/>
+          <a:bodyPr vert="horz" lIns="95562" tIns="47781" rIns="95562" bIns="47781" rtlCol="0"/>
           <a:lstStyle>
             <a:lvl1pPr algn="l">
               <a:defRPr sz="1300"/>
@@ -2751,15 +2920,15 @@
         </p:nvSpPr>
         <p:spPr>
           <a:xfrm>
-            <a:off x="4021294" y="0"/>
-            <a:ext cx="3076363" cy="513508"/>
+            <a:off x="3850443" y="0"/>
+            <a:ext cx="2945659" cy="498056"/>
           </a:xfrm>
           <a:prstGeom prst="rect">
             <a:avLst/>
           </a:prstGeom>
         </p:spPr>
         <p:txBody>
-          <a:bodyPr vert="horz" lIns="99048" tIns="49524" rIns="99048" bIns="49524" rtlCol="0"/>
+          <a:bodyPr vert="horz" lIns="95562" tIns="47781" rIns="95562" bIns="47781" rtlCol="0"/>
           <a:lstStyle>
             <a:lvl1pPr algn="r">
               <a:defRPr sz="1300"/>
@@ -2768,7 +2937,7 @@
           <a:p>
             <a:fld id="{347FD8FF-D914-42BC-AB54-0D5C2242F306}" type="datetimeFigureOut">
               <a:rPr lang="en-IN" smtClean="0"/>
-              <a:t>19/05/2020</a:t>
+              <a:t>05-06-2020</a:t>
             </a:fld>
             <a:endParaRPr lang="en-IN"/>
           </a:p>
@@ -2786,8 +2955,8 @@
         </p:nvSpPr>
         <p:spPr>
           <a:xfrm>
-            <a:off x="479425" y="1279525"/>
-            <a:ext cx="6140450" cy="3454400"/>
+            <a:off x="422275" y="1241425"/>
+            <a:ext cx="5953125" cy="3349625"/>
           </a:xfrm>
           <a:prstGeom prst="rect">
             <a:avLst/>
@@ -2800,7 +2969,7 @@
           </a:ln>
         </p:spPr>
         <p:txBody>
-          <a:bodyPr vert="horz" lIns="99048" tIns="49524" rIns="99048" bIns="49524" rtlCol="0" anchor="ctr"/>
+          <a:bodyPr vert="horz" lIns="95562" tIns="47781" rIns="95562" bIns="47781" rtlCol="0" anchor="ctr"/>
           <a:lstStyle/>
           <a:p>
             <a:endParaRPr lang="en-IN"/>
@@ -2819,15 +2988,15 @@
         </p:nvSpPr>
         <p:spPr>
           <a:xfrm>
-            <a:off x="709930" y="4925407"/>
-            <a:ext cx="5679440" cy="4029879"/>
+            <a:off x="679768" y="4777194"/>
+            <a:ext cx="5438140" cy="3908614"/>
           </a:xfrm>
           <a:prstGeom prst="rect">
             <a:avLst/>
           </a:prstGeom>
         </p:spPr>
         <p:txBody>
-          <a:bodyPr vert="horz" lIns="99048" tIns="49524" rIns="99048" bIns="49524" rtlCol="0"/>
+          <a:bodyPr vert="horz" lIns="95562" tIns="47781" rIns="95562" bIns="47781" rtlCol="0"/>
           <a:lstStyle/>
           <a:p>
             <a:pPr lvl="0"/>
@@ -2879,15 +3048,15 @@
         </p:nvSpPr>
         <p:spPr>
           <a:xfrm>
-            <a:off x="0" y="9721107"/>
-            <a:ext cx="3076363" cy="513507"/>
+            <a:off x="0" y="9428585"/>
+            <a:ext cx="2945659" cy="498055"/>
           </a:xfrm>
           <a:prstGeom prst="rect">
             <a:avLst/>
           </a:prstGeom>
         </p:spPr>
         <p:txBody>
-          <a:bodyPr vert="horz" lIns="99048" tIns="49524" rIns="99048" bIns="49524" rtlCol="0" anchor="b"/>
+          <a:bodyPr vert="horz" lIns="95562" tIns="47781" rIns="95562" bIns="47781" rtlCol="0" anchor="b"/>
           <a:lstStyle>
             <a:lvl1pPr algn="l">
               <a:defRPr sz="1300"/>
@@ -2910,15 +3079,15 @@
         </p:nvSpPr>
         <p:spPr>
           <a:xfrm>
-            <a:off x="4021294" y="9721107"/>
-            <a:ext cx="3076363" cy="513507"/>
+            <a:off x="3850443" y="9428585"/>
+            <a:ext cx="2945659" cy="498055"/>
           </a:xfrm>
           <a:prstGeom prst="rect">
             <a:avLst/>
           </a:prstGeom>
         </p:spPr>
         <p:txBody>
-          <a:bodyPr vert="horz" lIns="99048" tIns="49524" rIns="99048" bIns="49524" rtlCol="0" anchor="b"/>
+          <a:bodyPr vert="horz" lIns="95562" tIns="47781" rIns="95562" bIns="47781" rtlCol="0" anchor="b"/>
           <a:lstStyle>
             <a:lvl1pPr algn="r">
               <a:defRPr sz="1300"/>
@@ -3224,7 +3393,7 @@
           <a:p>
             <a:fld id="{D24DCC44-E3C5-4456-9236-074E7AACAE7F}" type="datetimeFigureOut">
               <a:rPr lang="en-IN" smtClean="0"/>
-              <a:t>19/05/2020</a:t>
+              <a:t>05-06-2020</a:t>
             </a:fld>
             <a:endParaRPr lang="en-IN"/>
           </a:p>
@@ -3562,7 +3731,7 @@
           <a:p>
             <a:fld id="{D24DCC44-E3C5-4456-9236-074E7AACAE7F}" type="datetimeFigureOut">
               <a:rPr lang="en-IN" smtClean="0"/>
-              <a:t>19/05/2020</a:t>
+              <a:t>05-06-2020</a:t>
             </a:fld>
             <a:endParaRPr lang="en-IN"/>
           </a:p>
@@ -3963,7 +4132,7 @@
           <a:p>
             <a:fld id="{D24DCC44-E3C5-4456-9236-074E7AACAE7F}" type="datetimeFigureOut">
               <a:rPr lang="en-IN" smtClean="0"/>
-              <a:t>19/05/2020</a:t>
+              <a:t>05-06-2020</a:t>
             </a:fld>
             <a:endParaRPr lang="en-IN"/>
           </a:p>
@@ -4299,7 +4468,7 @@
           <a:p>
             <a:fld id="{D24DCC44-E3C5-4456-9236-074E7AACAE7F}" type="datetimeFigureOut">
               <a:rPr lang="en-IN" smtClean="0"/>
-              <a:t>19/05/2020</a:t>
+              <a:t>05-06-2020</a:t>
             </a:fld>
             <a:endParaRPr lang="en-IN"/>
           </a:p>
@@ -4619,7 +4788,7 @@
           <a:p>
             <a:fld id="{D24DCC44-E3C5-4456-9236-074E7AACAE7F}" type="datetimeFigureOut">
               <a:rPr lang="en-IN" smtClean="0"/>
-              <a:t>19/05/2020</a:t>
+              <a:t>05-06-2020</a:t>
             </a:fld>
             <a:endParaRPr lang="en-IN"/>
           </a:p>
@@ -5015,7 +5184,7 @@
           <a:p>
             <a:fld id="{D24DCC44-E3C5-4456-9236-074E7AACAE7F}" type="datetimeFigureOut">
               <a:rPr lang="en-IN" smtClean="0"/>
-              <a:t>19/05/2020</a:t>
+              <a:t>05-06-2020</a:t>
             </a:fld>
             <a:endParaRPr lang="en-IN"/>
           </a:p>
@@ -5272,7 +5441,7 @@
           <a:p>
             <a:fld id="{D24DCC44-E3C5-4456-9236-074E7AACAE7F}" type="datetimeFigureOut">
               <a:rPr lang="en-IN" smtClean="0"/>
-              <a:t>19/05/2020</a:t>
+              <a:t>05-06-2020</a:t>
             </a:fld>
             <a:endParaRPr lang="en-IN"/>
           </a:p>
@@ -5534,7 +5703,7 @@
           <a:p>
             <a:fld id="{D24DCC44-E3C5-4456-9236-074E7AACAE7F}" type="datetimeFigureOut">
               <a:rPr lang="en-IN" smtClean="0"/>
-              <a:t>19/05/2020</a:t>
+              <a:t>05-06-2020</a:t>
             </a:fld>
             <a:endParaRPr lang="en-IN"/>
           </a:p>
@@ -5796,7 +5965,7 @@
           <a:p>
             <a:fld id="{D24DCC44-E3C5-4456-9236-074E7AACAE7F}" type="datetimeFigureOut">
               <a:rPr lang="en-IN" smtClean="0"/>
-              <a:t>19/05/2020</a:t>
+              <a:t>05-06-2020</a:t>
             </a:fld>
             <a:endParaRPr lang="en-IN"/>
           </a:p>
@@ -6125,7 +6294,7 @@
           <a:p>
             <a:fld id="{D24DCC44-E3C5-4456-9236-074E7AACAE7F}" type="datetimeFigureOut">
               <a:rPr lang="en-IN" smtClean="0"/>
-              <a:t>19/05/2020</a:t>
+              <a:t>05-06-2020</a:t>
             </a:fld>
             <a:endParaRPr lang="en-IN"/>
           </a:p>
@@ -6448,7 +6617,7 @@
           <a:p>
             <a:fld id="{D24DCC44-E3C5-4456-9236-074E7AACAE7F}" type="datetimeFigureOut">
               <a:rPr lang="en-IN" smtClean="0"/>
-              <a:t>19/05/2020</a:t>
+              <a:t>05-06-2020</a:t>
             </a:fld>
             <a:endParaRPr lang="en-IN"/>
           </a:p>
@@ -6905,7 +7074,7 @@
           <a:p>
             <a:fld id="{D24DCC44-E3C5-4456-9236-074E7AACAE7F}" type="datetimeFigureOut">
               <a:rPr lang="en-IN" smtClean="0"/>
-              <a:t>19/05/2020</a:t>
+              <a:t>05-06-2020</a:t>
             </a:fld>
             <a:endParaRPr lang="en-IN"/>
           </a:p>
@@ -7110,7 +7279,7 @@
           <a:p>
             <a:fld id="{D24DCC44-E3C5-4456-9236-074E7AACAE7F}" type="datetimeFigureOut">
               <a:rPr lang="en-IN" smtClean="0"/>
-              <a:t>19/05/2020</a:t>
+              <a:t>05-06-2020</a:t>
             </a:fld>
             <a:endParaRPr lang="en-IN"/>
           </a:p>
@@ -7287,7 +7456,7 @@
           <a:p>
             <a:fld id="{D24DCC44-E3C5-4456-9236-074E7AACAE7F}" type="datetimeFigureOut">
               <a:rPr lang="en-IN" smtClean="0"/>
-              <a:t>19/05/2020</a:t>
+              <a:t>05-06-2020</a:t>
             </a:fld>
             <a:endParaRPr lang="en-IN"/>
           </a:p>
@@ -7620,7 +7789,7 @@
           <a:p>
             <a:fld id="{D24DCC44-E3C5-4456-9236-074E7AACAE7F}" type="datetimeFigureOut">
               <a:rPr lang="en-IN" smtClean="0"/>
-              <a:t>19/05/2020</a:t>
+              <a:t>05-06-2020</a:t>
             </a:fld>
             <a:endParaRPr lang="en-IN"/>
           </a:p>
@@ -7965,7 +8134,7 @@
           <a:p>
             <a:fld id="{D24DCC44-E3C5-4456-9236-074E7AACAE7F}" type="datetimeFigureOut">
               <a:rPr lang="en-IN" smtClean="0"/>
-              <a:t>19/05/2020</a:t>
+              <a:t>05-06-2020</a:t>
             </a:fld>
             <a:endParaRPr lang="en-IN"/>
           </a:p>
@@ -10082,7 +10251,7 @@
           <a:p>
             <a:fld id="{D24DCC44-E3C5-4456-9236-074E7AACAE7F}" type="datetimeFigureOut">
               <a:rPr lang="en-IN" smtClean="0"/>
-              <a:t>19/05/2020</a:t>
+              <a:t>05-06-2020</a:t>
             </a:fld>
             <a:endParaRPr lang="en-IN"/>
           </a:p>
@@ -10609,14 +10778,14 @@
           <p:nvPr>
             <p:extLst>
               <p:ext uri="{D42A27DB-BD31-4B8C-83A1-F6EECF244321}">
-                <p14:modId xmlns:p14="http://schemas.microsoft.com/office/powerpoint/2010/main" val="49662006"/>
+                <p14:modId xmlns:p14="http://schemas.microsoft.com/office/powerpoint/2010/main" val="84115993"/>
               </p:ext>
             </p:extLst>
           </p:nvPr>
         </p:nvGraphicFramePr>
         <p:xfrm>
-          <a:off x="1720533" y="1853848"/>
-          <a:ext cx="9825642" cy="4912712"/>
+          <a:off x="1720532" y="1853848"/>
+          <a:ext cx="10341235" cy="4893313"/>
         </p:xfrm>
         <a:graphic>
           <a:graphicData uri="http://schemas.openxmlformats.org/drawingml/2006/table">
@@ -10625,14 +10794,14 @@
                 <a:tableStyleId>{BDBED569-4797-4DF1-A0F4-6AAB3CD982D8}</a:tableStyleId>
               </a:tblPr>
               <a:tblGrid>
-                <a:gridCol w="2056510">
+                <a:gridCol w="1911780">
                   <a:extLst>
                     <a:ext uri="{9D8B030D-6E8A-4147-A177-3AD203B41FA5}">
                       <a16:colId xmlns:a16="http://schemas.microsoft.com/office/drawing/2014/main" val="1470826872"/>
                     </a:ext>
                   </a:extLst>
                 </a:gridCol>
-                <a:gridCol w="7769132">
+                <a:gridCol w="8429455">
                   <a:extLst>
                     <a:ext uri="{9D8B030D-6E8A-4147-A177-3AD203B41FA5}">
                       <a16:colId xmlns:a16="http://schemas.microsoft.com/office/drawing/2014/main" val="2180310450"/>
@@ -10640,7 +10809,7 @@
                   </a:extLst>
                 </a:gridCol>
               </a:tblGrid>
-              <a:tr h="380984">
+              <a:tr h="1100465">
                 <a:tc>
                   <a:txBody>
                     <a:bodyPr/>
@@ -10648,7 +10817,7 @@
                     <a:p>
                       <a:pPr marL="0" algn="ctr" defTabSz="457200" rtl="0" eaLnBrk="1" latinLnBrk="0" hangingPunct="1"/>
                       <a:r>
-                        <a:rPr lang="en-IN" sz="1800" b="1" kern="1200" dirty="0" smtClean="0">
+                        <a:rPr lang="en-IN" sz="1850" b="1" kern="1200" dirty="0" smtClean="0">
                           <a:solidFill>
                             <a:srgbClr val="FF6600"/>
                           </a:solidFill>
@@ -10656,9 +10825,9 @@
                           <a:ea typeface="+mn-ea"/>
                           <a:cs typeface="+mn-cs"/>
                         </a:rPr>
-                        <a:t>Role</a:t>
+                        <a:t>Roles</a:t>
                       </a:r>
-                      <a:endParaRPr lang="en-IN" sz="1800" b="1" kern="1200" dirty="0">
+                      <a:endParaRPr lang="en-IN" sz="1850" b="1" kern="1200" dirty="0">
                         <a:solidFill>
                           <a:srgbClr val="FF6600"/>
                         </a:solidFill>
@@ -10675,50 +10844,80 @@
                     <a:bodyPr/>
                     <a:lstStyle/>
                     <a:p>
-                      <a:pPr>
+                      <a:pPr marL="342900" indent="-342900" algn="l" defTabSz="457200" rtl="0" eaLnBrk="1" latinLnBrk="0" hangingPunct="1">
                         <a:spcBef>
-                          <a:spcPts val="300"/>
+                          <a:spcPts val="400"/>
                         </a:spcBef>
                         <a:spcAft>
-                          <a:spcPts val="300"/>
+                          <a:spcPts val="400"/>
                         </a:spcAft>
+                        <a:buFont typeface="+mj-lt"/>
+                        <a:buAutoNum type="arabicPeriod"/>
                       </a:pPr>
                       <a:r>
-                        <a:rPr lang="en-IN" sz="1700" dirty="0" smtClean="0">
+                        <a:rPr lang="en-IN" sz="1850" b="1" kern="1200" dirty="0" smtClean="0">
                           <a:solidFill>
                             <a:schemeClr val="tx1"/>
                           </a:solidFill>
+                          <a:latin typeface="+mn-lt"/>
+                          <a:ea typeface="+mn-ea"/>
+                          <a:cs typeface="+mn-cs"/>
                         </a:rPr>
-                        <a:t>Software Engineer and Section Head for EWTS, MISD, </a:t>
+                        <a:t>Section Head for EWTS, MISD, PPEG, URSC</a:t>
                       </a:r>
+                    </a:p>
+                    <a:p>
+                      <a:pPr marL="342900" indent="-342900" algn="l" defTabSz="457200" rtl="0" eaLnBrk="1" latinLnBrk="0" hangingPunct="1">
+                        <a:spcBef>
+                          <a:spcPts val="400"/>
+                        </a:spcBef>
+                        <a:spcAft>
+                          <a:spcPts val="400"/>
+                        </a:spcAft>
+                        <a:buFont typeface="+mj-lt"/>
+                        <a:buAutoNum type="arabicPeriod"/>
+                      </a:pPr>
                       <a:r>
-                        <a:rPr lang="en-IN" sz="1700" dirty="0" smtClean="0">
+                        <a:rPr lang="en-IN" sz="1850" b="1" kern="1200" dirty="0" smtClean="0">
                           <a:solidFill>
                             <a:schemeClr val="tx1"/>
                           </a:solidFill>
+                          <a:latin typeface="+mn-lt"/>
+                          <a:ea typeface="+mn-ea"/>
+                          <a:cs typeface="+mn-cs"/>
                         </a:rPr>
-                        <a:t>PPEG,</a:t>
+                        <a:t>Team Lead, IPWS</a:t>
                       </a:r>
+                    </a:p>
+                    <a:p>
+                      <a:pPr marL="342900" indent="-342900" algn="l" defTabSz="457200" rtl="0" eaLnBrk="1" latinLnBrk="0" hangingPunct="1">
+                        <a:spcBef>
+                          <a:spcPts val="400"/>
+                        </a:spcBef>
+                        <a:spcAft>
+                          <a:spcPts val="400"/>
+                        </a:spcAft>
+                        <a:buFont typeface="+mj-lt"/>
+                        <a:buAutoNum type="arabicPeriod"/>
+                      </a:pPr>
                       <a:r>
-                        <a:rPr lang="en-IN" sz="1700" baseline="0" dirty="0" smtClean="0">
+                        <a:rPr lang="en-IN" sz="1850" b="1" kern="1200" dirty="0" smtClean="0">
                           <a:solidFill>
                             <a:schemeClr val="tx1"/>
                           </a:solidFill>
+                          <a:latin typeface="+mn-lt"/>
+                          <a:ea typeface="+mn-ea"/>
+                          <a:cs typeface="+mn-cs"/>
                         </a:rPr>
-                        <a:t> </a:t>
+                        <a:t>Engineer In-charge, Telephones, URSC</a:t>
                       </a:r>
-                      <a:r>
-                        <a:rPr lang="en-IN" sz="1700" dirty="0" smtClean="0">
-                          <a:solidFill>
-                            <a:schemeClr val="tx1"/>
-                          </a:solidFill>
-                        </a:rPr>
-                        <a:t>URSC</a:t>
-                      </a:r>
-                      <a:endParaRPr lang="en-IN" sz="1700" dirty="0">
+                      <a:endParaRPr lang="en-IN" sz="1850" b="1" kern="1200" dirty="0">
                         <a:solidFill>
                           <a:schemeClr val="tx1"/>
                         </a:solidFill>
+                        <a:latin typeface="+mn-lt"/>
+                        <a:ea typeface="+mn-ea"/>
+                        <a:cs typeface="+mn-cs"/>
                       </a:endParaRPr>
                     </a:p>
                   </a:txBody>
@@ -10730,7 +10929,7 @@
                   </a:ext>
                 </a:extLst>
               </a:tr>
-              <a:tr h="1333443">
+              <a:tr h="1179833">
                 <a:tc>
                   <a:txBody>
                     <a:bodyPr/>
@@ -10738,7 +10937,7 @@
                     <a:p>
                       <a:pPr marL="0" algn="ctr" defTabSz="457200" rtl="0" eaLnBrk="1" latinLnBrk="0" hangingPunct="1"/>
                       <a:r>
-                        <a:rPr lang="en-IN" sz="1800" b="1" kern="1200" dirty="0" smtClean="0">
+                        <a:rPr lang="en-IN" sz="1850" b="1" kern="1200" dirty="0" smtClean="0">
                           <a:solidFill>
                             <a:srgbClr val="FF6600"/>
                           </a:solidFill>
@@ -10748,7 +10947,7 @@
                         </a:rPr>
                         <a:t>Responsibilities</a:t>
                       </a:r>
-                      <a:endParaRPr lang="en-IN" sz="1800" b="1" kern="1200" dirty="0">
+                      <a:endParaRPr lang="en-IN" sz="1850" b="1" kern="1200" dirty="0">
                         <a:solidFill>
                           <a:srgbClr val="FF6600"/>
                         </a:solidFill>
@@ -10778,22 +10977,14 @@
                         <a:buChar char="ü"/>
                       </a:pPr>
                       <a:r>
-                        <a:rPr lang="en-US" sz="1700" b="1" dirty="0" smtClean="0"/>
-                        <a:t>Design</a:t>
-                      </a:r>
-                      <a:r>
-                        <a:rPr lang="en-US" sz="1700" b="1" baseline="0" dirty="0" smtClean="0"/>
-                        <a:t>, Development and Maintenance of </a:t>
-                      </a:r>
-                      <a:r>
-                        <a:rPr lang="en-US" sz="1700" b="1" dirty="0" smtClean="0"/>
+                        <a:rPr lang="en-US" sz="1850" b="1" dirty="0" smtClean="0"/>
                         <a:t>Management Information Systems (MIS) required for management and administrative related activities</a:t>
                       </a:r>
                       <a:r>
-                        <a:rPr lang="en-US" sz="1700" b="1" baseline="0" dirty="0" smtClean="0"/>
+                        <a:rPr lang="en-US" sz="1850" b="1" baseline="0" dirty="0" smtClean="0"/>
                         <a:t> of URSC.</a:t>
                       </a:r>
-                      <a:endParaRPr lang="en-US" sz="1700" b="1" dirty="0" smtClean="0"/>
+                      <a:endParaRPr lang="en-US" sz="1850" b="1" dirty="0" smtClean="0"/>
                     </a:p>
                     <a:p>
                       <a:pPr marL="285750" indent="-285750">
@@ -10807,14 +10998,10 @@
                         <a:buChar char="ü"/>
                       </a:pPr>
                       <a:r>
-                        <a:rPr lang="en-US" sz="1700" b="1" dirty="0" smtClean="0"/>
-                        <a:t>Voice Communication Management </a:t>
+                        <a:rPr lang="en-US" sz="1850" b="1" dirty="0" smtClean="0"/>
+                        <a:t>Voice Communication Management of URSC campuses.</a:t>
                       </a:r>
-                      <a:r>
-                        <a:rPr lang="en-US" sz="1700" b="1" dirty="0" smtClean="0"/>
-                        <a:t>of URSC campuses.</a:t>
-                      </a:r>
-                      <a:endParaRPr lang="en-IN" sz="1700" b="1" dirty="0"/>
+                      <a:endParaRPr lang="en-IN" sz="1850" b="1" dirty="0"/>
                     </a:p>
                   </a:txBody>
                   <a:tcPr anchor="ctr">
@@ -10827,7 +11014,7 @@
                   </a:ext>
                 </a:extLst>
               </a:tr>
-              <a:tr h="3198285">
+              <a:tr h="2482785">
                 <a:tc>
                   <a:txBody>
                     <a:bodyPr/>
@@ -10835,14 +11022,14 @@
                     <a:p>
                       <a:pPr algn="ctr"/>
                       <a:r>
-                        <a:rPr lang="en-US" sz="1800" b="1" dirty="0" smtClean="0">
+                        <a:rPr lang="en-US" sz="1850" b="1" dirty="0" smtClean="0">
                           <a:solidFill>
                             <a:srgbClr val="FF6600"/>
                           </a:solidFill>
                         </a:rPr>
                         <a:t>Deliverables</a:t>
                       </a:r>
-                      <a:endParaRPr lang="en-IN" dirty="0"/>
+                      <a:endParaRPr lang="en-IN" sz="1850" dirty="0"/>
                     </a:p>
                   </a:txBody>
                   <a:tcPr anchor="ctr"/>
@@ -10863,34 +11050,56 @@
                         <a:buAutoNum type="arabicPeriod"/>
                       </a:pPr>
                       <a:r>
-                        <a:rPr lang="en-US" sz="1700" b="1" dirty="0" smtClean="0"/>
-                        <a:t>Successfully Designed, Developed and Operationalized</a:t>
+                        <a:rPr lang="en-US" sz="1850" b="1" dirty="0" smtClean="0"/>
+                        <a:t>Realization of </a:t>
                       </a:r>
                       <a:r>
-                        <a:rPr lang="en-US" sz="1700" b="1" baseline="0" dirty="0" smtClean="0"/>
-                        <a:t> </a:t>
-                      </a:r>
-                      <a:r>
-                        <a:rPr lang="en-US" sz="1700" b="1" dirty="0" smtClean="0">
+                        <a:rPr lang="en-US" sz="1850" b="1" dirty="0" smtClean="0">
                           <a:solidFill>
                             <a:srgbClr val="FF6600"/>
                           </a:solidFill>
                         </a:rPr>
-                        <a:t>ISRO/DOS PFMS Web Services Interface System (IPWS)</a:t>
+                        <a:t>ISRO/DOS PFMS Web Services Interface System </a:t>
                       </a:r>
                       <a:r>
-                        <a:rPr lang="en-US" sz="1700" b="1" baseline="0" dirty="0" smtClean="0">
+                        <a:rPr lang="en-US" sz="1850" b="1" dirty="0" smtClean="0">
                           <a:solidFill>
-                            <a:srgbClr val="FF6600"/>
+                            <a:schemeClr val="tx1"/>
                           </a:solidFill>
                         </a:rPr>
-                        <a:t> </a:t>
+                        <a:t>(</a:t>
                       </a:r>
                       <a:r>
-                        <a:rPr lang="en-US" sz="1700" b="1" baseline="0" dirty="0" smtClean="0"/>
-                        <a:t>in all ISRO Centres/Units.</a:t>
+                        <a:rPr lang="en-US" sz="1850" b="1" dirty="0" smtClean="0">
+                          <a:solidFill>
+                            <a:schemeClr val="bg2">
+                              <a:lumMod val="50000"/>
+                            </a:schemeClr>
+                          </a:solidFill>
+                        </a:rPr>
+                        <a:t>IPWS</a:t>
                       </a:r>
-                      <a:endParaRPr lang="en-US" sz="1700" b="1" dirty="0" smtClean="0"/>
+                      <a:r>
+                        <a:rPr lang="en-US" sz="1850" b="1" dirty="0" smtClean="0">
+                          <a:solidFill>
+                            <a:schemeClr val="tx1"/>
+                          </a:solidFill>
+                        </a:rPr>
+                        <a:t>)</a:t>
+                      </a:r>
+                      <a:r>
+                        <a:rPr lang="en-US" sz="1850" b="1" baseline="0" dirty="0" smtClean="0">
+                          <a:solidFill>
+                            <a:schemeClr val="tx1"/>
+                          </a:solidFill>
+                        </a:rPr>
+                        <a:t>.</a:t>
+                      </a:r>
+                      <a:endParaRPr lang="en-US" sz="1850" b="1" dirty="0" smtClean="0">
+                        <a:solidFill>
+                          <a:schemeClr val="tx1"/>
+                        </a:solidFill>
+                      </a:endParaRPr>
                     </a:p>
                     <a:p>
                       <a:pPr marL="342900" indent="-342900">
@@ -10904,11 +11113,11 @@
                         <a:buAutoNum type="arabicPeriod"/>
                       </a:pPr>
                       <a:r>
-                        <a:rPr lang="en-US" sz="1700" b="1" dirty="0" smtClean="0"/>
+                        <a:rPr lang="en-US" sz="1850" b="1" dirty="0" smtClean="0"/>
                         <a:t>Realization of </a:t>
                       </a:r>
                       <a:r>
-                        <a:rPr lang="en-US" sz="1700" b="1" dirty="0" smtClean="0">
+                        <a:rPr lang="en-US" sz="1850" b="1" dirty="0" smtClean="0">
                           <a:solidFill>
                             <a:srgbClr val="FF6600"/>
                           </a:solidFill>
@@ -10916,7 +11125,7 @@
                         <a:t>COINS-PFMS Interface Software</a:t>
                       </a:r>
                       <a:r>
-                        <a:rPr lang="en-US" sz="1700" b="1" dirty="0" smtClean="0"/>
+                        <a:rPr lang="en-US" sz="1850" b="1" dirty="0" smtClean="0"/>
                         <a:t>.</a:t>
                       </a:r>
                     </a:p>
@@ -10932,20 +11141,51 @@
                         <a:buAutoNum type="arabicPeriod"/>
                       </a:pPr>
                       <a:r>
-                        <a:rPr lang="en-US" sz="1700" b="1" dirty="0" smtClean="0"/>
-                        <a:t>Implementation of e-Governance Initiative in URSC - Automation of various </a:t>
+                        <a:rPr lang="en-US" sz="1850" b="1" dirty="0" smtClean="0"/>
+                        <a:t>Online information for administrative related activities u</a:t>
                       </a:r>
                       <a:r>
-                        <a:rPr lang="en-US" sz="1700" b="1" dirty="0" smtClean="0">
+                        <a:rPr lang="en-US" sz="1850" b="1" baseline="0" dirty="0" smtClean="0"/>
+                        <a:t>sing </a:t>
+                      </a:r>
+                      <a:r>
+                        <a:rPr lang="en-US" sz="1850" b="1" baseline="0" dirty="0" smtClean="0">
                           <a:solidFill>
                             <a:srgbClr val="FF6600"/>
                           </a:solidFill>
                         </a:rPr>
-                        <a:t>Government-to-Employee (G2E) </a:t>
+                        <a:t>Sandesh </a:t>
                       </a:r>
                       <a:r>
-                        <a:rPr lang="en-US" sz="1700" b="1" dirty="0" smtClean="0"/>
-                        <a:t>Services.</a:t>
+                        <a:rPr lang="en-US" sz="1850" b="1" baseline="0" dirty="0" smtClean="0"/>
+                        <a:t>system</a:t>
+                      </a:r>
+                      <a:r>
+                        <a:rPr lang="en-US" sz="1850" b="1" dirty="0" smtClean="0"/>
+                        <a:t>.</a:t>
+                      </a:r>
+                    </a:p>
+                    <a:p>
+                      <a:pPr marL="342900" marR="0" indent="-342900" algn="l" defTabSz="457200" rtl="0" eaLnBrk="1" fontAlgn="auto" latinLnBrk="0" hangingPunct="1">
+                        <a:lnSpc>
+                          <a:spcPct val="100000"/>
+                        </a:lnSpc>
+                        <a:spcBef>
+                          <a:spcPts val="400"/>
+                        </a:spcBef>
+                        <a:spcAft>
+                          <a:spcPts val="400"/>
+                        </a:spcAft>
+                        <a:buClrTx/>
+                        <a:buSzTx/>
+                        <a:buFont typeface="+mj-lt"/>
+                        <a:buAutoNum type="arabicPeriod"/>
+                        <a:tabLst/>
+                        <a:defRPr/>
+                      </a:pPr>
+                      <a:r>
+                        <a:rPr lang="en-US" sz="1850" b="1" dirty="0" smtClean="0"/>
+                        <a:t>e-Governance initiatives in URSC.</a:t>
                       </a:r>
                     </a:p>
                     <a:p>
@@ -10960,36 +11200,16 @@
                         <a:buAutoNum type="arabicPeriod"/>
                       </a:pPr>
                       <a:r>
-                        <a:rPr lang="en-US" sz="1700" b="1" dirty="0" smtClean="0"/>
-                        <a:t>Providing online information to both</a:t>
+                        <a:rPr lang="en-US" sz="1850" b="1" dirty="0" smtClean="0"/>
+                        <a:t>Moving</a:t>
                       </a:r>
                       <a:r>
-                        <a:rPr lang="en-US" sz="1700" b="1" baseline="0" dirty="0" smtClean="0"/>
-                        <a:t> Management and </a:t>
+                        <a:rPr lang="en-US" sz="1850" b="1" baseline="0" dirty="0" smtClean="0"/>
+                        <a:t> towards n</a:t>
                       </a:r>
                       <a:r>
-                        <a:rPr lang="en-US" sz="1700" b="1" baseline="0" dirty="0" smtClean="0"/>
-                        <a:t>Employees </a:t>
-                      </a:r>
-                      <a:r>
-                        <a:rPr lang="en-US" sz="1700" b="1" baseline="0" dirty="0" smtClean="0"/>
-                        <a:t>using </a:t>
-                      </a:r>
-                      <a:r>
-                        <a:rPr lang="en-US" sz="1700" b="1" baseline="0" dirty="0" smtClean="0">
-                          <a:solidFill>
-                            <a:srgbClr val="FF6600"/>
-                          </a:solidFill>
-                        </a:rPr>
-                        <a:t>Sandesh </a:t>
-                      </a:r>
-                      <a:r>
-                        <a:rPr lang="en-US" sz="1700" b="1" baseline="0" dirty="0" smtClean="0"/>
-                        <a:t>system</a:t>
-                      </a:r>
-                      <a:r>
-                        <a:rPr lang="en-US" sz="1700" b="1" dirty="0" smtClean="0"/>
-                        <a:t>.</a:t>
+                        <a:rPr lang="en-US" sz="1850" b="1" dirty="0" smtClean="0"/>
+                        <a:t>ext generation MIS.</a:t>
                       </a:r>
                     </a:p>
                     <a:p>
@@ -11004,40 +11224,16 @@
                         <a:buAutoNum type="arabicPeriod"/>
                       </a:pPr>
                       <a:r>
-                        <a:rPr lang="en-US" sz="1700" b="1" dirty="0" smtClean="0"/>
-                        <a:t>Moving</a:t>
-                      </a:r>
-                      <a:r>
-                        <a:rPr lang="en-US" sz="1700" b="1" baseline="0" dirty="0" smtClean="0"/>
-                        <a:t> forward with </a:t>
-                      </a:r>
-                      <a:r>
-                        <a:rPr lang="en-US" sz="1700" b="1" dirty="0" smtClean="0"/>
-                        <a:t>Next generation of MIS system.</a:t>
-                      </a:r>
-                    </a:p>
-                    <a:p>
-                      <a:pPr marL="342900" indent="-342900">
-                        <a:spcBef>
-                          <a:spcPts val="400"/>
-                        </a:spcBef>
-                        <a:spcAft>
-                          <a:spcPts val="400"/>
-                        </a:spcAft>
-                        <a:buFont typeface="+mj-lt"/>
-                        <a:buAutoNum type="arabicPeriod"/>
-                      </a:pPr>
-                      <a:r>
-                        <a:rPr lang="en-US" sz="1700" b="1" dirty="0" smtClean="0"/>
+                        <a:rPr lang="en-US" sz="1850" b="1" dirty="0" smtClean="0"/>
                         <a:t>Continuous</a:t>
                       </a:r>
                       <a:r>
-                        <a:rPr lang="en-US" sz="1700" b="1" baseline="0" dirty="0" smtClean="0"/>
-                        <a:t> </a:t>
+                        <a:rPr lang="en-US" sz="1850" b="1" baseline="0" dirty="0" smtClean="0"/>
+                        <a:t> v</a:t>
                       </a:r>
                       <a:r>
-                        <a:rPr lang="en-US" sz="1700" b="1" dirty="0" smtClean="0"/>
-                        <a:t>Voice Communication services to URSC Campuses.</a:t>
+                        <a:rPr lang="en-US" sz="1850" b="1" dirty="0" smtClean="0"/>
+                        <a:t>oice communication services to URSC campuses.</a:t>
                       </a:r>
                     </a:p>
                   </a:txBody>
@@ -11673,13 +11869,13 @@
         </p:nvSpPr>
         <p:spPr>
           <a:xfrm>
-            <a:off x="1679171" y="1529543"/>
-            <a:ext cx="10075025" cy="5048538"/>
+            <a:off x="1679171" y="1406454"/>
+            <a:ext cx="10141527" cy="5381207"/>
           </a:xfrm>
         </p:spPr>
         <p:txBody>
           <a:bodyPr>
-            <a:normAutofit/>
+            <a:noAutofit/>
           </a:bodyPr>
           <a:lstStyle/>
           <a:p>
@@ -11695,15 +11891,31 @@
               </a:spcAft>
             </a:pPr>
             <a:r>
-              <a:rPr lang="en-US" sz="2000" b="1" dirty="0" smtClean="0"/>
-              <a:t>Requirement </a:t>
-            </a:r>
-            <a:r>
-              <a:rPr lang="en-US" sz="2000" b="1" dirty="0"/>
-              <a:t>elicitation, Design, Development, Implementation, Testing, Operationalization and Maintenance of </a:t>
-            </a:r>
-            <a:r>
-              <a:rPr lang="en-US" sz="2000" b="1" dirty="0">
+              <a:rPr lang="en-US" sz="1850" b="1" dirty="0" smtClean="0"/>
+              <a:t>Successfully completed Requirement </a:t>
+            </a:r>
+            <a:r>
+              <a:rPr lang="en-US" sz="1850" b="1" dirty="0"/>
+              <a:t>elicitation, Design, </a:t>
+            </a:r>
+            <a:r>
+              <a:rPr lang="en-US" sz="1850" b="1" dirty="0" smtClean="0"/>
+              <a:t>Development, </a:t>
+            </a:r>
+            <a:r>
+              <a:rPr lang="en-US" sz="1850" b="1" dirty="0"/>
+              <a:t>Testing and Implementation</a:t>
+            </a:r>
+            <a:r>
+              <a:rPr lang="en-US" sz="1850" b="1" dirty="0" smtClean="0"/>
+              <a:t> </a:t>
+            </a:r>
+            <a:r>
+              <a:rPr lang="en-US" sz="1850" b="1" dirty="0"/>
+              <a:t>of </a:t>
+            </a:r>
+            <a:r>
+              <a:rPr lang="en-US" sz="1850" b="1" dirty="0">
                 <a:solidFill>
                   <a:srgbClr val="FF6600"/>
                 </a:solidFill>
@@ -11711,11 +11923,11 @@
               <a:t>ISRO/DOS PFMS Web Services Interface System </a:t>
             </a:r>
             <a:r>
-              <a:rPr lang="en-US" sz="2000" b="1" dirty="0"/>
+              <a:rPr lang="en-US" sz="1850" b="1" dirty="0"/>
               <a:t>(</a:t>
             </a:r>
             <a:r>
-              <a:rPr lang="en-US" sz="2000" b="1" dirty="0">
+              <a:rPr lang="en-US" sz="1850" b="1" dirty="0">
                 <a:solidFill>
                   <a:schemeClr val="bg2">
                     <a:lumMod val="50000"/>
@@ -11725,8 +11937,20 @@
               <a:t>IPWS</a:t>
             </a:r>
             <a:r>
-              <a:rPr lang="en-US" sz="2000" b="1" dirty="0"/>
-              <a:t>).</a:t>
+              <a:rPr lang="en-US" sz="1850" b="1" dirty="0" smtClean="0"/>
+              <a:t>) </a:t>
+            </a:r>
+            <a:r>
+              <a:rPr lang="en-US" sz="1850" b="1" dirty="0"/>
+              <a:t>and serving its objective </a:t>
+            </a:r>
+            <a:r>
+              <a:rPr lang="en-US" sz="1850" b="1" dirty="0" smtClean="0"/>
+              <a:t>satisfactorily </a:t>
+            </a:r>
+            <a:r>
+              <a:rPr lang="en-US" sz="1850" b="1" dirty="0"/>
+              <a:t>in all ISRO/DOS centres.</a:t>
             </a:r>
           </a:p>
           <a:p>
@@ -11742,29 +11966,50 @@
               </a:spcAft>
             </a:pPr>
             <a:r>
-              <a:rPr lang="en-US" sz="2000" b="1" dirty="0" smtClean="0"/>
-              <a:t>Conceptual </a:t>
-            </a:r>
-            <a:r>
-              <a:rPr lang="en-US" sz="2000" b="1" dirty="0"/>
-              <a:t>design to operationalization </a:t>
-            </a:r>
-            <a:r>
-              <a:rPr lang="en-US" sz="2000" b="1" dirty="0" smtClean="0"/>
-              <a:t>of </a:t>
-            </a:r>
-            <a:r>
-              <a:rPr lang="en-US" sz="2000" b="1" dirty="0">
+              <a:rPr lang="en-US" sz="1850" b="1" dirty="0"/>
+              <a:t>Successfully </a:t>
+            </a:r>
+            <a:r>
+              <a:rPr lang="en-US" sz="1850" b="1" dirty="0" smtClean="0"/>
+              <a:t>operationalized </a:t>
+            </a:r>
+            <a:r>
+              <a:rPr lang="en-US" sz="1850" b="1" dirty="0" smtClean="0">
                 <a:solidFill>
                   <a:srgbClr val="FF6600"/>
                 </a:solidFill>
               </a:rPr>
-              <a:t>COINS-PFMS Interface Software</a:t>
-            </a:r>
-            <a:r>
-              <a:rPr lang="en-US" sz="2000" b="1" dirty="0"/>
-              <a:t>.</a:t>
-            </a:r>
+              <a:t>COINS-PFMS </a:t>
+            </a:r>
+            <a:r>
+              <a:rPr lang="en-US" sz="1850" b="1" dirty="0">
+                <a:solidFill>
+                  <a:srgbClr val="FF6600"/>
+                </a:solidFill>
+              </a:rPr>
+              <a:t>Interface </a:t>
+            </a:r>
+            <a:r>
+              <a:rPr lang="en-US" sz="1850" b="1" dirty="0" smtClean="0">
+                <a:solidFill>
+                  <a:srgbClr val="FF6600"/>
+                </a:solidFill>
+              </a:rPr>
+              <a:t>Software </a:t>
+            </a:r>
+            <a:r>
+              <a:rPr lang="en-US" sz="1850" b="1" dirty="0" smtClean="0"/>
+              <a:t>in all </a:t>
+            </a:r>
+            <a:r>
+              <a:rPr lang="en-US" sz="1850" b="1" dirty="0"/>
+              <a:t>ISRO/DOS </a:t>
+            </a:r>
+            <a:r>
+              <a:rPr lang="en-US" sz="1850" b="1" dirty="0" smtClean="0"/>
+              <a:t>centres.</a:t>
+            </a:r>
+            <a:endParaRPr lang="en-US" sz="1850" b="1" dirty="0"/>
           </a:p>
           <a:p>
             <a:pPr>
@@ -11779,26 +12024,76 @@
               </a:spcAft>
             </a:pPr>
             <a:r>
-              <a:rPr lang="en-US" sz="2000" b="1" dirty="0" smtClean="0"/>
-              <a:t>Published </a:t>
-            </a:r>
-            <a:r>
-              <a:rPr lang="en-US" sz="2000" b="1" dirty="0"/>
-              <a:t>a paper on ‘</a:t>
-            </a:r>
-            <a:r>
-              <a:rPr lang="en-US" sz="2000" b="1" dirty="0">
+              <a:rPr lang="en-US" sz="1850" b="1" dirty="0"/>
+              <a:t>Successfully </a:t>
+            </a:r>
+            <a:r>
+              <a:rPr lang="en-US" sz="1850" b="1" dirty="0" smtClean="0"/>
+              <a:t>operationalized </a:t>
+            </a:r>
+            <a:r>
+              <a:rPr lang="en-US" sz="1850" b="1" dirty="0">
                 <a:solidFill>
                   <a:schemeClr val="bg2">
                     <a:lumMod val="50000"/>
                   </a:schemeClr>
                 </a:solidFill>
               </a:rPr>
-              <a:t>e-Governance Initiative in URSC - Automation of various Government-to-Employee (G2E) Services</a:t>
-            </a:r>
-            <a:r>
-              <a:rPr lang="en-US" sz="2000" b="1" dirty="0"/>
-              <a:t>’.</a:t>
+              <a:t>Online TA Module, Telephone Bills Reimbursement, </a:t>
+            </a:r>
+            <a:r>
+              <a:rPr lang="en-US" sz="1850" b="1" dirty="0" smtClean="0">
+                <a:solidFill>
+                  <a:schemeClr val="bg2">
+                    <a:lumMod val="50000"/>
+                  </a:schemeClr>
+                </a:solidFill>
+              </a:rPr>
+              <a:t>Payment details to suppliers through email/SMS, connection pooling concept, </a:t>
+            </a:r>
+            <a:r>
+              <a:rPr lang="en-US" sz="1850" b="1" dirty="0" err="1" smtClean="0">
+                <a:solidFill>
+                  <a:schemeClr val="bg2">
+                    <a:lumMod val="50000"/>
+                  </a:schemeClr>
+                </a:solidFill>
+              </a:rPr>
+              <a:t>etc</a:t>
+            </a:r>
+            <a:r>
+              <a:rPr lang="en-US" sz="1850" b="1" dirty="0" smtClean="0">
+                <a:solidFill>
+                  <a:schemeClr val="bg2">
+                    <a:lumMod val="50000"/>
+                  </a:schemeClr>
+                </a:solidFill>
+              </a:rPr>
+              <a:t> </a:t>
+            </a:r>
+            <a:r>
+              <a:rPr lang="en-US" sz="1850" b="1" dirty="0"/>
+              <a:t>as </a:t>
+            </a:r>
+            <a:r>
+              <a:rPr lang="en-US" sz="1850" b="1" dirty="0" smtClean="0"/>
+              <a:t>enhancements of </a:t>
+            </a:r>
+            <a:r>
+              <a:rPr lang="en-US" sz="1850" b="1" dirty="0">
+                <a:solidFill>
+                  <a:srgbClr val="FF6600"/>
+                </a:solidFill>
+              </a:rPr>
+              <a:t>Sandesh</a:t>
+            </a:r>
+            <a:r>
+              <a:rPr lang="en-US" sz="1850" b="1" dirty="0"/>
+              <a:t> system</a:t>
+            </a:r>
+            <a:r>
+              <a:rPr lang="en-US" sz="1850" b="1" dirty="0" smtClean="0"/>
+              <a:t>.</a:t>
             </a:r>
           </a:p>
           <a:p>
@@ -11814,25 +12109,34 @@
               </a:spcAft>
             </a:pPr>
             <a:r>
-              <a:rPr lang="en-US" sz="2000" b="1" dirty="0" smtClean="0"/>
-              <a:t>Carrying </a:t>
-            </a:r>
-            <a:r>
-              <a:rPr lang="en-US" sz="2000" b="1" dirty="0"/>
-              <a:t>out Enhancements and Maintenance activities in </a:t>
-            </a:r>
-            <a:r>
-              <a:rPr lang="en-US" sz="2000" b="1" dirty="0">
+              <a:rPr lang="en-US" sz="1850" b="1" dirty="0"/>
+              <a:t>Successfully </a:t>
+            </a:r>
+            <a:r>
+              <a:rPr lang="en-US" sz="1850" b="1" dirty="0" smtClean="0"/>
+              <a:t>implemented </a:t>
+            </a:r>
+            <a:r>
+              <a:rPr lang="en-US" sz="1850" b="1" dirty="0" err="1" smtClean="0">
                 <a:solidFill>
                   <a:srgbClr val="FF6600"/>
                 </a:solidFill>
               </a:rPr>
-              <a:t>Sandesh</a:t>
-            </a:r>
-            <a:r>
-              <a:rPr lang="en-US" sz="2000" b="1" dirty="0"/>
-              <a:t> system.</a:t>
-            </a:r>
+              <a:t>Git</a:t>
+            </a:r>
+            <a:r>
+              <a:rPr lang="en-US" sz="1850" b="1" dirty="0" smtClean="0">
+                <a:solidFill>
+                  <a:srgbClr val="FF6600"/>
+                </a:solidFill>
+              </a:rPr>
+              <a:t> </a:t>
+            </a:r>
+            <a:r>
+              <a:rPr lang="en-US" sz="1850" b="1" dirty="0" smtClean="0"/>
+              <a:t>software version control tool.</a:t>
+            </a:r>
+            <a:endParaRPr lang="en-US" sz="1850" b="1" dirty="0"/>
           </a:p>
           <a:p>
             <a:pPr>
@@ -11847,15 +12151,11 @@
               </a:spcAft>
             </a:pPr>
             <a:r>
-              <a:rPr lang="en-US" sz="2000" b="1" dirty="0" smtClean="0"/>
-              <a:t>Design </a:t>
-            </a:r>
-            <a:r>
-              <a:rPr lang="en-US" sz="2000" b="1" dirty="0"/>
-              <a:t>and Development of prototype </a:t>
-            </a:r>
-            <a:r>
-              <a:rPr lang="en-US" sz="2000" b="1" dirty="0">
+              <a:rPr lang="en-US" sz="1850" b="1" dirty="0"/>
+              <a:t>Demonstrated prototype </a:t>
+            </a:r>
+            <a:r>
+              <a:rPr lang="en-US" sz="1850" b="1" dirty="0">
                 <a:solidFill>
                   <a:srgbClr val="FF6600"/>
                 </a:solidFill>
@@ -11863,8 +12163,8 @@
               <a:t>Integrated MIS </a:t>
             </a:r>
             <a:r>
-              <a:rPr lang="en-US" sz="2000" b="1" dirty="0"/>
-              <a:t>system.</a:t>
+              <a:rPr lang="en-US" sz="1850" b="1" dirty="0"/>
+              <a:t>with distributed databases using Spring-BOOT technology.</a:t>
             </a:r>
           </a:p>
           <a:p>
@@ -11880,26 +12180,58 @@
               </a:spcAft>
             </a:pPr>
             <a:r>
-              <a:rPr lang="en-US" sz="2000" b="1" dirty="0" smtClean="0"/>
-              <a:t>Augmenting and Upgradation of</a:t>
-            </a:r>
-            <a:r>
-              <a:rPr lang="en-US" sz="2000" b="1" dirty="0" smtClean="0"/>
-              <a:t> Voice </a:t>
-            </a:r>
-            <a:r>
-              <a:rPr lang="en-US" sz="2000" b="1" dirty="0"/>
+              <a:rPr lang="en-US" sz="1850" b="1" dirty="0" smtClean="0"/>
+              <a:t>Published </a:t>
+            </a:r>
+            <a:r>
+              <a:rPr lang="en-US" sz="1850" b="1" dirty="0"/>
+              <a:t>a paper on ‘</a:t>
+            </a:r>
+            <a:r>
+              <a:rPr lang="en-US" sz="1850" b="1" dirty="0">
+                <a:solidFill>
+                  <a:schemeClr val="bg2">
+                    <a:lumMod val="50000"/>
+                  </a:schemeClr>
+                </a:solidFill>
+              </a:rPr>
+              <a:t>e-Governance Initiative in URSC - Automation of various Government-to-Employee (G2E) Services</a:t>
+            </a:r>
+            <a:r>
+              <a:rPr lang="en-US" sz="1850" b="1" dirty="0"/>
+              <a:t>’ and same has been selected for oral presentation</a:t>
+            </a:r>
+            <a:r>
+              <a:rPr lang="en-US" sz="1850" b="1" dirty="0" smtClean="0"/>
+              <a:t>.</a:t>
+            </a:r>
+            <a:endParaRPr lang="en-US" sz="1850" b="1" dirty="0"/>
+          </a:p>
+          <a:p>
+            <a:pPr>
+              <a:lnSpc>
+                <a:spcPct val="110000"/>
+              </a:lnSpc>
+              <a:spcBef>
+                <a:spcPts val="600"/>
+              </a:spcBef>
+              <a:spcAft>
+                <a:spcPts val="600"/>
+              </a:spcAft>
+            </a:pPr>
+            <a:r>
+              <a:rPr lang="en-US" sz="1850" b="1" dirty="0" smtClean="0"/>
+              <a:t>Augmenting and Upgradation of Voice </a:t>
+            </a:r>
+            <a:r>
+              <a:rPr lang="en-US" sz="1850" b="1" dirty="0"/>
               <a:t>Communication </a:t>
             </a:r>
             <a:r>
-              <a:rPr lang="en-US" sz="2000" b="1" dirty="0" smtClean="0"/>
-              <a:t>S</a:t>
-            </a:r>
-            <a:r>
-              <a:rPr lang="en-US" sz="2000" b="1" dirty="0" smtClean="0"/>
-              <a:t>ystems at URSC campuses.</a:t>
-            </a:r>
-            <a:endParaRPr lang="en-US" sz="2000" b="1" dirty="0"/>
+              <a:rPr lang="en-US" sz="1850" b="1" dirty="0" smtClean="0"/>
+              <a:t>Systems at URSC campuses.</a:t>
+            </a:r>
+            <a:endParaRPr lang="en-US" sz="1850" b="1" dirty="0"/>
           </a:p>
         </p:txBody>
       </p:sp>
@@ -12177,6 +12509,759 @@
 </file>
 
 <file path=ppt/slides/slide3.xml><?xml version="1.0" encoding="utf-8"?>
+<p:sld xmlns:a="http://schemas.openxmlformats.org/drawingml/2006/main" xmlns:r="http://schemas.openxmlformats.org/officeDocument/2006/relationships" xmlns:p="http://schemas.openxmlformats.org/presentationml/2006/main">
+  <p:cSld>
+    <p:spTree>
+      <p:nvGrpSpPr>
+        <p:cNvPr id="1" name=""/>
+        <p:cNvGrpSpPr/>
+        <p:nvPr/>
+      </p:nvGrpSpPr>
+      <p:grpSpPr>
+        <a:xfrm>
+          <a:off x="0" y="0"/>
+          <a:ext cx="0" cy="0"/>
+          <a:chOff x="0" y="0"/>
+          <a:chExt cx="0" cy="0"/>
+        </a:xfrm>
+      </p:grpSpPr>
+      <p:sp>
+        <p:nvSpPr>
+          <p:cNvPr id="5" name="Title 1"/>
+          <p:cNvSpPr txBox="1">
+            <a:spLocks/>
+          </p:cNvSpPr>
+          <p:nvPr/>
+        </p:nvSpPr>
+        <p:spPr>
+          <a:xfrm>
+            <a:off x="1679170" y="673988"/>
+            <a:ext cx="10075025" cy="614486"/>
+          </a:xfrm>
+          <a:prstGeom prst="rect">
+            <a:avLst/>
+          </a:prstGeom>
+        </p:spPr>
+        <p:txBody>
+          <a:bodyPr vert="horz" lIns="91440" tIns="45720" rIns="91440" bIns="45720" rtlCol="0" anchor="t">
+            <a:normAutofit/>
+          </a:bodyPr>
+          <a:lstStyle>
+            <a:lvl1pPr algn="l" defTabSz="457200" rtl="0" eaLnBrk="1" latinLnBrk="0" hangingPunct="1">
+              <a:spcBef>
+                <a:spcPct val="0"/>
+              </a:spcBef>
+              <a:buNone/>
+              <a:defRPr sz="3600" kern="1200">
+                <a:solidFill>
+                  <a:schemeClr val="tx1">
+                    <a:lumMod val="85000"/>
+                    <a:lumOff val="15000"/>
+                  </a:schemeClr>
+                </a:solidFill>
+                <a:latin typeface="+mj-lt"/>
+                <a:ea typeface="+mj-ea"/>
+                <a:cs typeface="+mj-cs"/>
+              </a:defRPr>
+            </a:lvl1pPr>
+            <a:lvl2pPr eaLnBrk="1" hangingPunct="1">
+              <a:defRPr>
+                <a:solidFill>
+                  <a:schemeClr val="tx2"/>
+                </a:solidFill>
+              </a:defRPr>
+            </a:lvl2pPr>
+            <a:lvl3pPr eaLnBrk="1" hangingPunct="1">
+              <a:defRPr>
+                <a:solidFill>
+                  <a:schemeClr val="tx2"/>
+                </a:solidFill>
+              </a:defRPr>
+            </a:lvl3pPr>
+            <a:lvl4pPr eaLnBrk="1" hangingPunct="1">
+              <a:defRPr>
+                <a:solidFill>
+                  <a:schemeClr val="tx2"/>
+                </a:solidFill>
+              </a:defRPr>
+            </a:lvl4pPr>
+            <a:lvl5pPr eaLnBrk="1" hangingPunct="1">
+              <a:defRPr>
+                <a:solidFill>
+                  <a:schemeClr val="tx2"/>
+                </a:solidFill>
+              </a:defRPr>
+            </a:lvl5pPr>
+            <a:lvl6pPr eaLnBrk="1" hangingPunct="1">
+              <a:defRPr>
+                <a:solidFill>
+                  <a:schemeClr val="tx2"/>
+                </a:solidFill>
+              </a:defRPr>
+            </a:lvl6pPr>
+            <a:lvl7pPr eaLnBrk="1" hangingPunct="1">
+              <a:defRPr>
+                <a:solidFill>
+                  <a:schemeClr val="tx2"/>
+                </a:solidFill>
+              </a:defRPr>
+            </a:lvl7pPr>
+            <a:lvl8pPr eaLnBrk="1" hangingPunct="1">
+              <a:defRPr>
+                <a:solidFill>
+                  <a:schemeClr val="tx2"/>
+                </a:solidFill>
+              </a:defRPr>
+            </a:lvl8pPr>
+            <a:lvl9pPr eaLnBrk="1" hangingPunct="1">
+              <a:defRPr>
+                <a:solidFill>
+                  <a:schemeClr val="tx2"/>
+                </a:solidFill>
+              </a:defRPr>
+            </a:lvl9pPr>
+          </a:lstStyle>
+          <a:p>
+            <a:r>
+              <a:rPr lang="en-IN" sz="3200" b="1" dirty="0" smtClean="0"/>
+              <a:t>Technologies, Tools and Products Used</a:t>
+            </a:r>
+            <a:endParaRPr lang="en-IN" sz="3200" b="1" dirty="0"/>
+          </a:p>
+        </p:txBody>
+      </p:sp>
+      <p:graphicFrame>
+        <p:nvGraphicFramePr>
+          <p:cNvPr id="7" name="Content Placeholder 6"/>
+          <p:cNvGraphicFramePr>
+            <a:graphicFrameLocks noGrp="1"/>
+          </p:cNvGraphicFramePr>
+          <p:nvPr>
+            <p:ph idx="1"/>
+            <p:extLst>
+              <p:ext uri="{D42A27DB-BD31-4B8C-83A1-F6EECF244321}">
+                <p14:modId xmlns:p14="http://schemas.microsoft.com/office/powerpoint/2010/main" val="3234665360"/>
+              </p:ext>
+            </p:extLst>
+          </p:nvPr>
+        </p:nvGraphicFramePr>
+        <p:xfrm>
+          <a:off x="1679170" y="1711684"/>
+          <a:ext cx="10034224" cy="4716584"/>
+        </p:xfrm>
+        <a:graphic>
+          <a:graphicData uri="http://schemas.openxmlformats.org/drawingml/2006/table">
+            <a:tbl>
+              <a:tblPr firstRow="1" bandRow="1">
+                <a:tableStyleId>{00A15C55-8517-42AA-B614-E9B94910E393}</a:tableStyleId>
+              </a:tblPr>
+              <a:tblGrid>
+                <a:gridCol w="2892830">
+                  <a:extLst>
+                    <a:ext uri="{9D8B030D-6E8A-4147-A177-3AD203B41FA5}">
+                      <a16:colId xmlns:a16="http://schemas.microsoft.com/office/drawing/2014/main" val="1159520084"/>
+                    </a:ext>
+                  </a:extLst>
+                </a:gridCol>
+                <a:gridCol w="7141394">
+                  <a:extLst>
+                    <a:ext uri="{9D8B030D-6E8A-4147-A177-3AD203B41FA5}">
+                      <a16:colId xmlns:a16="http://schemas.microsoft.com/office/drawing/2014/main" val="3440498856"/>
+                    </a:ext>
+                  </a:extLst>
+                </a:gridCol>
+              </a:tblGrid>
+              <a:tr h="562374">
+                <a:tc>
+                  <a:txBody>
+                    <a:bodyPr/>
+                    <a:lstStyle/>
+                    <a:p>
+                      <a:pPr algn="ctr">
+                        <a:spcBef>
+                          <a:spcPts val="0"/>
+                        </a:spcBef>
+                      </a:pPr>
+                      <a:r>
+                        <a:rPr lang="en-IN" sz="2000" dirty="0" smtClean="0"/>
+                        <a:t>Description</a:t>
+                      </a:r>
+                      <a:endParaRPr lang="en-IN" sz="2000" dirty="0"/>
+                    </a:p>
+                  </a:txBody>
+                  <a:tcPr anchor="ctr"/>
+                </a:tc>
+                <a:tc>
+                  <a:txBody>
+                    <a:bodyPr/>
+                    <a:lstStyle/>
+                    <a:p>
+                      <a:pPr algn="ctr">
+                        <a:spcBef>
+                          <a:spcPts val="0"/>
+                        </a:spcBef>
+                      </a:pPr>
+                      <a:r>
+                        <a:rPr lang="en-IN" sz="2000" dirty="0" smtClean="0"/>
+                        <a:t>Technology</a:t>
+                      </a:r>
+                      <a:r>
+                        <a:rPr lang="en-IN" sz="2000" baseline="0" dirty="0" smtClean="0"/>
+                        <a:t> / Tool / Product</a:t>
+                      </a:r>
+                      <a:endParaRPr lang="en-IN" sz="2000" dirty="0"/>
+                    </a:p>
+                  </a:txBody>
+                  <a:tcPr anchor="ctr"/>
+                </a:tc>
+                <a:extLst>
+                  <a:ext uri="{0D108BD9-81ED-4DB2-BD59-A6C34878D82A}">
+                    <a16:rowId xmlns:a16="http://schemas.microsoft.com/office/drawing/2014/main" val="1526631632"/>
+                  </a:ext>
+                </a:extLst>
+              </a:tr>
+              <a:tr h="562374">
+                <a:tc>
+                  <a:txBody>
+                    <a:bodyPr/>
+                    <a:lstStyle/>
+                    <a:p>
+                      <a:pPr marL="0" algn="ctr" defTabSz="457200" rtl="0" eaLnBrk="1" latinLnBrk="0" hangingPunct="1">
+                        <a:spcBef>
+                          <a:spcPts val="0"/>
+                        </a:spcBef>
+                      </a:pPr>
+                      <a:r>
+                        <a:rPr lang="en-IN" sz="1900" b="1" kern="1200" dirty="0" smtClean="0">
+                          <a:solidFill>
+                            <a:schemeClr val="dk1"/>
+                          </a:solidFill>
+                          <a:latin typeface="+mn-lt"/>
+                          <a:ea typeface="+mn-ea"/>
+                          <a:cs typeface="+mn-cs"/>
+                        </a:rPr>
+                        <a:t>Persistent Tier</a:t>
+                      </a:r>
+                      <a:endParaRPr lang="en-IN" sz="1900" b="1" kern="1200" dirty="0">
+                        <a:solidFill>
+                          <a:schemeClr val="dk1"/>
+                        </a:solidFill>
+                        <a:latin typeface="+mn-lt"/>
+                        <a:ea typeface="+mn-ea"/>
+                        <a:cs typeface="+mn-cs"/>
+                      </a:endParaRPr>
+                    </a:p>
+                  </a:txBody>
+                  <a:tcPr anchor="ctr"/>
+                </a:tc>
+                <a:tc>
+                  <a:txBody>
+                    <a:bodyPr/>
+                    <a:lstStyle/>
+                    <a:p>
+                      <a:pPr algn="l">
+                        <a:spcBef>
+                          <a:spcPts val="0"/>
+                        </a:spcBef>
+                      </a:pPr>
+                      <a:r>
+                        <a:rPr lang="en-IN" sz="1900" b="1" dirty="0" smtClean="0">
+                          <a:solidFill>
+                            <a:srgbClr val="FF6600"/>
+                          </a:solidFill>
+                        </a:rPr>
+                        <a:t>Sybase ASE 15.7</a:t>
+                      </a:r>
+                      <a:endParaRPr lang="en-IN" sz="1900" b="1" dirty="0">
+                        <a:solidFill>
+                          <a:srgbClr val="FF6600"/>
+                        </a:solidFill>
+                      </a:endParaRPr>
+                    </a:p>
+                  </a:txBody>
+                  <a:tcPr anchor="ctr"/>
+                </a:tc>
+                <a:extLst>
+                  <a:ext uri="{0D108BD9-81ED-4DB2-BD59-A6C34878D82A}">
+                    <a16:rowId xmlns:a16="http://schemas.microsoft.com/office/drawing/2014/main" val="1112336593"/>
+                  </a:ext>
+                </a:extLst>
+              </a:tr>
+              <a:tr h="562374">
+                <a:tc>
+                  <a:txBody>
+                    <a:bodyPr/>
+                    <a:lstStyle/>
+                    <a:p>
+                      <a:pPr algn="ctr">
+                        <a:spcBef>
+                          <a:spcPts val="0"/>
+                        </a:spcBef>
+                      </a:pPr>
+                      <a:r>
+                        <a:rPr lang="en-IN" sz="1900" b="1" dirty="0" smtClean="0"/>
+                        <a:t>Application Tier</a:t>
+                      </a:r>
+                      <a:endParaRPr lang="en-IN" sz="1900" b="1" dirty="0"/>
+                    </a:p>
+                  </a:txBody>
+                  <a:tcPr anchor="ctr"/>
+                </a:tc>
+                <a:tc>
+                  <a:txBody>
+                    <a:bodyPr/>
+                    <a:lstStyle/>
+                    <a:p>
+                      <a:pPr algn="l">
+                        <a:spcBef>
+                          <a:spcPts val="0"/>
+                        </a:spcBef>
+                      </a:pPr>
+                      <a:r>
+                        <a:rPr lang="en-IN" sz="1900" b="1" dirty="0" smtClean="0">
+                          <a:solidFill>
+                            <a:srgbClr val="FF6600"/>
+                          </a:solidFill>
+                        </a:rPr>
+                        <a:t>J2EE, JQuery, Web Services, Spring BOOT</a:t>
+                      </a:r>
+                      <a:endParaRPr lang="en-IN" sz="1900" b="1" dirty="0">
+                        <a:solidFill>
+                          <a:srgbClr val="FF6600"/>
+                        </a:solidFill>
+                      </a:endParaRPr>
+                    </a:p>
+                  </a:txBody>
+                  <a:tcPr anchor="ctr"/>
+                </a:tc>
+                <a:extLst>
+                  <a:ext uri="{0D108BD9-81ED-4DB2-BD59-A6C34878D82A}">
+                    <a16:rowId xmlns:a16="http://schemas.microsoft.com/office/drawing/2014/main" val="1936448290"/>
+                  </a:ext>
+                </a:extLst>
+              </a:tr>
+              <a:tr h="562374">
+                <a:tc>
+                  <a:txBody>
+                    <a:bodyPr/>
+                    <a:lstStyle/>
+                    <a:p>
+                      <a:pPr algn="ctr">
+                        <a:spcBef>
+                          <a:spcPts val="0"/>
+                        </a:spcBef>
+                      </a:pPr>
+                      <a:r>
+                        <a:rPr lang="en-IN" sz="1900" b="1" dirty="0" smtClean="0"/>
+                        <a:t>Presentation</a:t>
+                      </a:r>
+                      <a:r>
+                        <a:rPr lang="en-IN" sz="1900" b="1" baseline="0" dirty="0" smtClean="0"/>
+                        <a:t> T</a:t>
+                      </a:r>
+                      <a:r>
+                        <a:rPr lang="en-IN" sz="1900" b="1" dirty="0" smtClean="0"/>
+                        <a:t>ier</a:t>
+                      </a:r>
+                      <a:endParaRPr lang="en-IN" sz="1900" b="1" dirty="0"/>
+                    </a:p>
+                  </a:txBody>
+                  <a:tcPr anchor="ctr"/>
+                </a:tc>
+                <a:tc>
+                  <a:txBody>
+                    <a:bodyPr/>
+                    <a:lstStyle/>
+                    <a:p>
+                      <a:pPr algn="l">
+                        <a:spcBef>
+                          <a:spcPts val="0"/>
+                        </a:spcBef>
+                      </a:pPr>
+                      <a:r>
+                        <a:rPr lang="en-IN" sz="1900" b="1" dirty="0" smtClean="0">
+                          <a:solidFill>
+                            <a:srgbClr val="FF6600"/>
+                          </a:solidFill>
+                        </a:rPr>
+                        <a:t>Boot Strap, HTML, CSS</a:t>
+                      </a:r>
+                      <a:endParaRPr lang="en-IN" sz="1900" b="1" dirty="0">
+                        <a:solidFill>
+                          <a:srgbClr val="FF6600"/>
+                        </a:solidFill>
+                      </a:endParaRPr>
+                    </a:p>
+                  </a:txBody>
+                  <a:tcPr anchor="ctr"/>
+                </a:tc>
+                <a:extLst>
+                  <a:ext uri="{0D108BD9-81ED-4DB2-BD59-A6C34878D82A}">
+                    <a16:rowId xmlns:a16="http://schemas.microsoft.com/office/drawing/2014/main" val="1956371494"/>
+                  </a:ext>
+                </a:extLst>
+              </a:tr>
+              <a:tr h="740563">
+                <a:tc>
+                  <a:txBody>
+                    <a:bodyPr/>
+                    <a:lstStyle/>
+                    <a:p>
+                      <a:pPr algn="ctr">
+                        <a:spcBef>
+                          <a:spcPts val="0"/>
+                        </a:spcBef>
+                      </a:pPr>
+                      <a:r>
+                        <a:rPr lang="en-IN" sz="1900" b="1" dirty="0" smtClean="0"/>
+                        <a:t>Testing Tools</a:t>
+                      </a:r>
+                      <a:endParaRPr lang="en-IN" sz="1900" b="1" dirty="0"/>
+                    </a:p>
+                  </a:txBody>
+                  <a:tcPr anchor="ctr"/>
+                </a:tc>
+                <a:tc>
+                  <a:txBody>
+                    <a:bodyPr/>
+                    <a:lstStyle/>
+                    <a:p>
+                      <a:pPr algn="l">
+                        <a:spcBef>
+                          <a:spcPts val="0"/>
+                        </a:spcBef>
+                      </a:pPr>
+                      <a:r>
+                        <a:rPr lang="en-IN" sz="1900" b="1" dirty="0" err="1" smtClean="0">
+                          <a:solidFill>
+                            <a:srgbClr val="FF6600"/>
+                          </a:solidFill>
+                        </a:rPr>
+                        <a:t>Acunetix</a:t>
+                      </a:r>
+                      <a:r>
+                        <a:rPr lang="en-IN" sz="1900" b="1" dirty="0" smtClean="0">
+                          <a:solidFill>
+                            <a:srgbClr val="FF6600"/>
+                          </a:solidFill>
+                        </a:rPr>
+                        <a:t>,</a:t>
+                      </a:r>
+                      <a:r>
+                        <a:rPr lang="en-IN" sz="1900" b="1" baseline="0" dirty="0" smtClean="0">
+                          <a:solidFill>
+                            <a:srgbClr val="FF6600"/>
+                          </a:solidFill>
+                        </a:rPr>
+                        <a:t> </a:t>
+                      </a:r>
+                      <a:r>
+                        <a:rPr lang="en-IN" sz="1900" b="1" dirty="0" smtClean="0">
+                          <a:solidFill>
+                            <a:srgbClr val="FF6600"/>
+                          </a:solidFill>
+                        </a:rPr>
+                        <a:t>IBM Security </a:t>
+                      </a:r>
+                      <a:r>
+                        <a:rPr lang="en-IN" sz="1900" b="1" dirty="0" err="1" smtClean="0">
+                          <a:solidFill>
+                            <a:srgbClr val="FF6600"/>
+                          </a:solidFill>
+                        </a:rPr>
+                        <a:t>AppScan</a:t>
+                      </a:r>
+                      <a:r>
+                        <a:rPr lang="en-IN" sz="1900" b="1" dirty="0" smtClean="0">
+                          <a:solidFill>
+                            <a:srgbClr val="FF6600"/>
+                          </a:solidFill>
+                        </a:rPr>
+                        <a:t>, </a:t>
+                      </a:r>
+                      <a:r>
+                        <a:rPr lang="en-US" sz="1900" b="1" dirty="0" err="1" smtClean="0">
+                          <a:solidFill>
+                            <a:srgbClr val="FF6600"/>
+                          </a:solidFill>
+                        </a:rPr>
+                        <a:t>Coverity</a:t>
+                      </a:r>
+                      <a:r>
+                        <a:rPr lang="en-US" sz="1900" b="1" dirty="0" smtClean="0">
+                          <a:solidFill>
+                            <a:srgbClr val="FF6600"/>
+                          </a:solidFill>
+                        </a:rPr>
+                        <a:t> (COTS),</a:t>
+                      </a:r>
+                      <a:r>
+                        <a:rPr lang="en-US" sz="1900" b="1" baseline="0" dirty="0" smtClean="0">
+                          <a:solidFill>
+                            <a:srgbClr val="FF6600"/>
+                          </a:solidFill>
+                        </a:rPr>
+                        <a:t> </a:t>
+                      </a:r>
+                      <a:r>
+                        <a:rPr lang="en-US" sz="1900" b="1" dirty="0" err="1" smtClean="0">
+                          <a:solidFill>
+                            <a:srgbClr val="FF6600"/>
+                          </a:solidFill>
+                        </a:rPr>
+                        <a:t>SonarQube</a:t>
+                      </a:r>
+                      <a:r>
+                        <a:rPr lang="en-US" sz="1900" b="1" dirty="0" smtClean="0">
+                          <a:solidFill>
+                            <a:srgbClr val="FF6600"/>
+                          </a:solidFill>
+                        </a:rPr>
+                        <a:t> CE (OSS), </a:t>
+                      </a:r>
+                      <a:r>
+                        <a:rPr lang="en-US" sz="1900" b="1" dirty="0" err="1" smtClean="0">
+                          <a:solidFill>
+                            <a:srgbClr val="FF6600"/>
+                          </a:solidFill>
+                        </a:rPr>
+                        <a:t>Jmeter</a:t>
+                      </a:r>
+                      <a:r>
+                        <a:rPr lang="en-US" sz="1900" b="1" dirty="0" smtClean="0">
+                          <a:solidFill>
+                            <a:srgbClr val="FF6600"/>
+                          </a:solidFill>
+                        </a:rPr>
+                        <a:t>, Selenium</a:t>
+                      </a:r>
+                      <a:endParaRPr lang="en-IN" sz="1900" b="1" dirty="0">
+                        <a:solidFill>
+                          <a:srgbClr val="FF6600"/>
+                        </a:solidFill>
+                      </a:endParaRPr>
+                    </a:p>
+                  </a:txBody>
+                  <a:tcPr anchor="ctr"/>
+                </a:tc>
+                <a:extLst>
+                  <a:ext uri="{0D108BD9-81ED-4DB2-BD59-A6C34878D82A}">
+                    <a16:rowId xmlns:a16="http://schemas.microsoft.com/office/drawing/2014/main" val="907245546"/>
+                  </a:ext>
+                </a:extLst>
+              </a:tr>
+              <a:tr h="601777">
+                <a:tc>
+                  <a:txBody>
+                    <a:bodyPr/>
+                    <a:lstStyle/>
+                    <a:p>
+                      <a:pPr algn="ctr">
+                        <a:spcBef>
+                          <a:spcPts val="0"/>
+                        </a:spcBef>
+                      </a:pPr>
+                      <a:r>
+                        <a:rPr lang="en-IN" sz="1900" b="1" dirty="0" smtClean="0"/>
+                        <a:t>Tools</a:t>
+                      </a:r>
+                      <a:endParaRPr lang="en-IN" sz="1900" b="1" dirty="0"/>
+                    </a:p>
+                  </a:txBody>
+                  <a:tcPr anchor="ctr"/>
+                </a:tc>
+                <a:tc>
+                  <a:txBody>
+                    <a:bodyPr/>
+                    <a:lstStyle/>
+                    <a:p>
+                      <a:pPr marL="0" marR="0" indent="0" algn="l" defTabSz="457200" rtl="0" eaLnBrk="1" fontAlgn="auto" latinLnBrk="0" hangingPunct="1">
+                        <a:lnSpc>
+                          <a:spcPct val="100000"/>
+                        </a:lnSpc>
+                        <a:spcBef>
+                          <a:spcPts val="0"/>
+                        </a:spcBef>
+                        <a:spcAft>
+                          <a:spcPts val="0"/>
+                        </a:spcAft>
+                        <a:buClrTx/>
+                        <a:buSzTx/>
+                        <a:buFontTx/>
+                        <a:buNone/>
+                        <a:tabLst/>
+                        <a:defRPr/>
+                      </a:pPr>
+                      <a:r>
+                        <a:rPr lang="en-IN" sz="1900" b="1" dirty="0" smtClean="0">
+                          <a:solidFill>
+                            <a:srgbClr val="FF6600"/>
+                          </a:solidFill>
+                        </a:rPr>
+                        <a:t>rsync - File Transferring, Git - Software Version Control</a:t>
+                      </a:r>
+                      <a:endParaRPr lang="en-IN" sz="1900" b="1" dirty="0">
+                        <a:solidFill>
+                          <a:srgbClr val="FF6600"/>
+                        </a:solidFill>
+                      </a:endParaRPr>
+                    </a:p>
+                  </a:txBody>
+                  <a:tcPr anchor="ctr"/>
+                </a:tc>
+                <a:extLst>
+                  <a:ext uri="{0D108BD9-81ED-4DB2-BD59-A6C34878D82A}">
+                    <a16:rowId xmlns:a16="http://schemas.microsoft.com/office/drawing/2014/main" val="1212804781"/>
+                  </a:ext>
+                </a:extLst>
+              </a:tr>
+              <a:tr h="562374">
+                <a:tc>
+                  <a:txBody>
+                    <a:bodyPr/>
+                    <a:lstStyle/>
+                    <a:p>
+                      <a:pPr algn="ctr">
+                        <a:spcBef>
+                          <a:spcPts val="0"/>
+                        </a:spcBef>
+                      </a:pPr>
+                      <a:r>
+                        <a:rPr lang="en-IN" sz="1900" b="1" dirty="0" smtClean="0"/>
+                        <a:t>Requirement / Design</a:t>
+                      </a:r>
+                      <a:endParaRPr lang="en-IN" sz="1900" b="1" dirty="0"/>
+                    </a:p>
+                  </a:txBody>
+                  <a:tcPr anchor="ctr"/>
+                </a:tc>
+                <a:tc>
+                  <a:txBody>
+                    <a:bodyPr/>
+                    <a:lstStyle/>
+                    <a:p>
+                      <a:pPr algn="l">
+                        <a:spcBef>
+                          <a:spcPts val="0"/>
+                        </a:spcBef>
+                      </a:pPr>
+                      <a:r>
+                        <a:rPr lang="en-IN" sz="1900" b="1" dirty="0" smtClean="0">
+                          <a:solidFill>
+                            <a:srgbClr val="FF6600"/>
+                          </a:solidFill>
+                        </a:rPr>
+                        <a:t>UML, </a:t>
+                      </a:r>
+                      <a:r>
+                        <a:rPr lang="en-IN" sz="1900" b="1" dirty="0" err="1" smtClean="0">
+                          <a:solidFill>
+                            <a:srgbClr val="FF6600"/>
+                          </a:solidFill>
+                        </a:rPr>
+                        <a:t>Swimline</a:t>
+                      </a:r>
+                      <a:r>
+                        <a:rPr lang="en-IN" sz="1900" b="1" dirty="0" smtClean="0">
+                          <a:solidFill>
+                            <a:srgbClr val="FF6600"/>
+                          </a:solidFill>
+                        </a:rPr>
+                        <a:t> Diagrams and Posters</a:t>
+                      </a:r>
+                      <a:endParaRPr lang="en-IN" sz="1900" b="1" dirty="0">
+                        <a:solidFill>
+                          <a:srgbClr val="FF6600"/>
+                        </a:solidFill>
+                      </a:endParaRPr>
+                    </a:p>
+                  </a:txBody>
+                  <a:tcPr anchor="ctr"/>
+                </a:tc>
+                <a:extLst>
+                  <a:ext uri="{0D108BD9-81ED-4DB2-BD59-A6C34878D82A}">
+                    <a16:rowId xmlns:a16="http://schemas.microsoft.com/office/drawing/2014/main" val="1673455016"/>
+                  </a:ext>
+                </a:extLst>
+              </a:tr>
+              <a:tr h="562374">
+                <a:tc>
+                  <a:txBody>
+                    <a:bodyPr/>
+                    <a:lstStyle/>
+                    <a:p>
+                      <a:pPr algn="ctr">
+                        <a:spcBef>
+                          <a:spcPts val="0"/>
+                        </a:spcBef>
+                      </a:pPr>
+                      <a:r>
+                        <a:rPr lang="en-IN" sz="1900" b="1" dirty="0" smtClean="0"/>
+                        <a:t>Documentation</a:t>
+                      </a:r>
+                      <a:endParaRPr lang="en-IN" sz="1900" b="1" dirty="0"/>
+                    </a:p>
+                  </a:txBody>
+                  <a:tcPr anchor="ctr"/>
+                </a:tc>
+                <a:tc>
+                  <a:txBody>
+                    <a:bodyPr/>
+                    <a:lstStyle/>
+                    <a:p>
+                      <a:pPr algn="l">
+                        <a:spcBef>
+                          <a:spcPts val="0"/>
+                        </a:spcBef>
+                      </a:pPr>
+                      <a:r>
+                        <a:rPr lang="en-IN" sz="1900" b="1" dirty="0" err="1" smtClean="0">
+                          <a:solidFill>
+                            <a:srgbClr val="FF6600"/>
+                          </a:solidFill>
+                        </a:rPr>
+                        <a:t>Doxygen</a:t>
+                      </a:r>
+                      <a:endParaRPr lang="en-IN" sz="1900" b="1" dirty="0">
+                        <a:solidFill>
+                          <a:srgbClr val="FF6600"/>
+                        </a:solidFill>
+                      </a:endParaRPr>
+                    </a:p>
+                  </a:txBody>
+                  <a:tcPr anchor="ctr"/>
+                </a:tc>
+                <a:extLst>
+                  <a:ext uri="{0D108BD9-81ED-4DB2-BD59-A6C34878D82A}">
+                    <a16:rowId xmlns:a16="http://schemas.microsoft.com/office/drawing/2014/main" val="925667634"/>
+                  </a:ext>
+                </a:extLst>
+              </a:tr>
+            </a:tbl>
+          </a:graphicData>
+        </a:graphic>
+      </p:graphicFrame>
+    </p:spTree>
+    <p:extLst>
+      <p:ext uri="{BB962C8B-B14F-4D97-AF65-F5344CB8AC3E}">
+        <p14:creationId xmlns:p14="http://schemas.microsoft.com/office/powerpoint/2010/main" val="3812401644"/>
+      </p:ext>
+    </p:extLst>
+  </p:cSld>
+  <p:clrMapOvr>
+    <a:masterClrMapping/>
+  </p:clrMapOvr>
+  <p:timing>
+    <p:tnLst>
+      <p:par>
+        <p:cTn id="1" dur="indefinite" restart="never" nodeType="tmRoot"/>
+      </p:par>
+    </p:tnLst>
+  </p:timing>
+</p:sld>
+</file>
+
+<file path=ppt/slides/slide4.xml><?xml version="1.0" encoding="utf-8"?>
 <p:sld xmlns:a="http://schemas.openxmlformats.org/drawingml/2006/main" xmlns:r="http://schemas.openxmlformats.org/officeDocument/2006/relationships" xmlns:p="http://schemas.openxmlformats.org/presentationml/2006/main">
   <p:cSld>
     <p:bg>
@@ -12268,57 +13353,30 @@
         </p:nvSpPr>
         <p:spPr>
           <a:xfrm>
-            <a:off x="1679172" y="1414603"/>
-            <a:ext cx="5760720" cy="5180104"/>
+            <a:off x="1679171" y="1356036"/>
+            <a:ext cx="5852159" cy="4638124"/>
           </a:xfrm>
         </p:spPr>
         <p:txBody>
-          <a:bodyPr>
-            <a:normAutofit/>
+          <a:bodyPr vert="horz" lIns="91440" tIns="45720" rIns="91440" bIns="45720" rtlCol="0">
+            <a:noAutofit/>
           </a:bodyPr>
           <a:lstStyle/>
           <a:p>
-            <a:r>
-              <a:rPr lang="en-US" sz="2000" b="1" dirty="0" smtClean="0"/>
-              <a:t>Team Leader and responsible </a:t>
-            </a:r>
-            <a:r>
-              <a:rPr lang="en-US" sz="2000" b="1" dirty="0"/>
-              <a:t>from </a:t>
-            </a:r>
-            <a:r>
-              <a:rPr lang="en-US" sz="2000" b="1" dirty="0">
-                <a:solidFill>
-                  <a:srgbClr val="FF6600"/>
-                </a:solidFill>
-              </a:rPr>
-              <a:t>requirement elicitation</a:t>
-            </a:r>
-            <a:r>
-              <a:rPr lang="en-US" sz="2000" b="1" dirty="0"/>
-              <a:t> to </a:t>
-            </a:r>
-            <a:r>
-              <a:rPr lang="en-US" sz="2000" b="1" dirty="0">
-                <a:solidFill>
-                  <a:srgbClr val="FF6600"/>
-                </a:solidFill>
-              </a:rPr>
-              <a:t>maintenance</a:t>
-            </a:r>
-            <a:r>
-              <a:rPr lang="en-US" sz="2000" b="1" dirty="0"/>
-              <a:t> of this system.</a:t>
-            </a:r>
-            <a:endParaRPr lang="en-US" sz="2000" b="1" dirty="0" smtClean="0"/>
-          </a:p>
-          <a:p>
-            <a:r>
-              <a:rPr lang="en-US" sz="2000" b="1" dirty="0"/>
+            <a:pPr>
+              <a:spcBef>
+                <a:spcPts val="300"/>
+              </a:spcBef>
+              <a:spcAft>
+                <a:spcPts val="300"/>
+              </a:spcAft>
+            </a:pPr>
+            <a:r>
+              <a:rPr lang="en-US" sz="1700" b="1" dirty="0"/>
               <a:t>IPWS is </a:t>
             </a:r>
             <a:r>
-              <a:rPr lang="en-US" sz="2000" b="1" dirty="0">
+              <a:rPr lang="en-US" sz="1700" b="1" dirty="0">
                 <a:solidFill>
                   <a:srgbClr val="FF6600"/>
                 </a:solidFill>
@@ -12326,56 +13384,70 @@
               <a:t>background process </a:t>
             </a:r>
             <a:r>
-              <a:rPr lang="en-US" sz="2000" b="1" dirty="0"/>
-              <a:t>that process XML input requests received from COINS </a:t>
-            </a:r>
-            <a:r>
-              <a:rPr lang="en-US" sz="2000" b="1" dirty="0" smtClean="0"/>
-              <a:t>and </a:t>
-            </a:r>
-            <a:r>
-              <a:rPr lang="en-US" sz="2000" b="1" dirty="0"/>
-              <a:t>validate it before sending it to </a:t>
-            </a:r>
-            <a:r>
-              <a:rPr lang="en-US" sz="2000" b="1" dirty="0">
+              <a:rPr lang="en-US" sz="1700" b="1" dirty="0"/>
+              <a:t>that processes XML input requests received from COINS and validate it before sending it to </a:t>
+            </a:r>
+            <a:r>
+              <a:rPr lang="en-US" sz="1700" b="1" dirty="0">
                 <a:solidFill>
                   <a:schemeClr val="bg2">
                     <a:lumMod val="50000"/>
                   </a:schemeClr>
                 </a:solidFill>
               </a:rPr>
-              <a:t>PFMS web services consumption system </a:t>
-            </a:r>
-            <a:r>
-              <a:rPr lang="en-US" sz="2000" b="1" dirty="0"/>
-              <a:t>for </a:t>
-            </a:r>
-            <a:r>
-              <a:rPr lang="en-US" sz="2000" b="1" dirty="0" smtClean="0"/>
-              <a:t>obtaining desired </a:t>
-            </a:r>
-            <a:r>
-              <a:rPr lang="en-US" sz="2000" b="1" dirty="0"/>
-              <a:t>responses.</a:t>
-            </a:r>
-            <a:endParaRPr lang="en-IN" sz="2000" dirty="0"/>
-          </a:p>
-          <a:p>
-            <a:r>
-              <a:rPr lang="en-US" sz="2000" b="1" dirty="0"/>
-              <a:t>D</a:t>
-            </a:r>
-            <a:r>
-              <a:rPr lang="en-US" sz="2000" b="1" dirty="0" smtClean="0"/>
-              <a:t>eveloped </a:t>
-            </a:r>
-            <a:r>
-              <a:rPr lang="en-US" sz="2000" b="1" dirty="0"/>
+              <a:t>PFMS web services consumption system</a:t>
+            </a:r>
+            <a:r>
+              <a:rPr lang="en-US" sz="1700" b="1" dirty="0"/>
+              <a:t> for obtaining desired responses.</a:t>
+            </a:r>
+            <a:endParaRPr lang="en-IN" sz="1700" b="1" dirty="0"/>
+          </a:p>
+          <a:p>
+            <a:pPr>
+              <a:spcBef>
+                <a:spcPts val="300"/>
+              </a:spcBef>
+              <a:spcAft>
+                <a:spcPts val="300"/>
+              </a:spcAft>
+            </a:pPr>
+            <a:r>
+              <a:rPr lang="en-US" sz="1700" b="1" dirty="0" smtClean="0"/>
+              <a:t>Team </a:t>
+            </a:r>
+            <a:r>
+              <a:rPr lang="en-US" sz="1700" b="1" dirty="0"/>
+              <a:t>Lead and responsible for complete </a:t>
+            </a:r>
+            <a:r>
+              <a:rPr lang="en-US" sz="1700" b="1" dirty="0" err="1"/>
+              <a:t>SDLC</a:t>
+            </a:r>
+            <a:r>
+              <a:rPr lang="en-US" sz="1700" b="1" dirty="0"/>
+              <a:t> of this system.</a:t>
+            </a:r>
+          </a:p>
+          <a:p>
+            <a:pPr>
+              <a:spcBef>
+                <a:spcPts val="300"/>
+              </a:spcBef>
+              <a:spcAft>
+                <a:spcPts val="300"/>
+              </a:spcAft>
+            </a:pPr>
+            <a:r>
+              <a:rPr lang="en-US" sz="1700" b="1" dirty="0" smtClean="0"/>
+              <a:t>Developed </a:t>
+            </a:r>
+            <a:r>
+              <a:rPr lang="en-US" sz="1700" b="1" dirty="0"/>
               <a:t>scripts for transferring XML files between COINS and IPWS servers using </a:t>
             </a:r>
             <a:r>
-              <a:rPr lang="en-US" sz="2000" b="1" dirty="0">
+              <a:rPr lang="en-US" sz="1700" b="1" dirty="0">
                 <a:solidFill>
                   <a:srgbClr val="FF6600"/>
                 </a:solidFill>
@@ -12383,50 +13455,86 @@
               <a:t>rsync</a:t>
             </a:r>
             <a:r>
-              <a:rPr lang="en-US" sz="2000" b="1" dirty="0"/>
-              <a:t> </a:t>
-            </a:r>
-            <a:r>
-              <a:rPr lang="en-US" sz="2000" b="1" dirty="0" smtClean="0"/>
-              <a:t>utility.</a:t>
-            </a:r>
-            <a:endParaRPr lang="en-US" sz="2000" b="1" dirty="0"/>
-          </a:p>
-          <a:p>
-            <a:r>
-              <a:rPr lang="en-US" sz="2000" b="1" dirty="0" smtClean="0"/>
-              <a:t>Ensuring cyber security.</a:t>
-            </a:r>
-            <a:endParaRPr lang="en-US" sz="2000" b="1" dirty="0"/>
-          </a:p>
-          <a:p>
-            <a:r>
-              <a:rPr lang="en-US" sz="2000" b="1" dirty="0" smtClean="0"/>
-              <a:t>Presently </a:t>
-            </a:r>
-            <a:r>
-              <a:rPr lang="en-US" sz="2000" b="1" dirty="0"/>
-              <a:t>IPWS </a:t>
-            </a:r>
-            <a:r>
-              <a:rPr lang="en-US" sz="2000" b="1" dirty="0" smtClean="0"/>
-              <a:t>is serving </a:t>
-            </a:r>
-            <a:r>
-              <a:rPr lang="en-US" sz="2000" b="1" dirty="0"/>
-              <a:t>its objective </a:t>
-            </a:r>
-            <a:r>
-              <a:rPr lang="en-US" sz="2000" b="1" dirty="0" smtClean="0"/>
-              <a:t>satisfactorily across </a:t>
-            </a:r>
-            <a:r>
-              <a:rPr lang="en-US" sz="2000" b="1" dirty="0"/>
-              <a:t>all ISRO </a:t>
-            </a:r>
-            <a:r>
-              <a:rPr lang="en-US" sz="2000" b="1" dirty="0" smtClean="0"/>
-              <a:t>centres/units.</a:t>
+              <a:rPr lang="en-US" sz="1700" b="1" dirty="0"/>
+              <a:t> utility.</a:t>
+            </a:r>
+          </a:p>
+          <a:p>
+            <a:pPr>
+              <a:spcBef>
+                <a:spcPts val="300"/>
+              </a:spcBef>
+              <a:spcAft>
+                <a:spcPts val="300"/>
+              </a:spcAft>
+            </a:pPr>
+            <a:r>
+              <a:rPr lang="en-US" sz="1700" b="1" dirty="0"/>
+              <a:t>Ensuring </a:t>
+            </a:r>
+            <a:r>
+              <a:rPr lang="en-US" sz="1700" b="1" dirty="0">
+                <a:solidFill>
+                  <a:srgbClr val="FF6600"/>
+                </a:solidFill>
+              </a:rPr>
+              <a:t>cyber security</a:t>
+            </a:r>
+            <a:r>
+              <a:rPr lang="en-US" sz="1700" b="1" dirty="0"/>
+              <a:t>.</a:t>
+            </a:r>
+          </a:p>
+          <a:p>
+            <a:pPr>
+              <a:spcBef>
+                <a:spcPts val="300"/>
+              </a:spcBef>
+              <a:spcAft>
+                <a:spcPts val="300"/>
+              </a:spcAft>
+            </a:pPr>
+            <a:r>
+              <a:rPr lang="en-US" sz="1700" b="1" dirty="0"/>
+              <a:t>Providing operationalization &amp; maintenance support.</a:t>
+            </a:r>
+          </a:p>
+          <a:p>
+            <a:pPr>
+              <a:spcBef>
+                <a:spcPts val="300"/>
+              </a:spcBef>
+              <a:spcAft>
+                <a:spcPts val="300"/>
+              </a:spcAft>
+            </a:pPr>
+            <a:r>
+              <a:rPr lang="en-US" sz="1700" b="1" dirty="0"/>
+              <a:t>Technologies used –  </a:t>
+            </a:r>
+            <a:r>
+              <a:rPr lang="en-US" sz="1700" b="1" dirty="0">
+                <a:solidFill>
+                  <a:srgbClr val="FF6600"/>
+                </a:solidFill>
+              </a:rPr>
+              <a:t>CentOS, Java 1.8, Simple Object Access Protocol (SOAP), log4j-API </a:t>
+            </a:r>
+            <a:r>
+              <a:rPr lang="en-US" sz="1700" b="1" dirty="0"/>
+              <a:t>and</a:t>
+            </a:r>
+            <a:r>
+              <a:rPr lang="en-US" sz="1700" b="1" dirty="0">
+                <a:solidFill>
+                  <a:srgbClr val="FF6600"/>
+                </a:solidFill>
+              </a:rPr>
+              <a:t> Quartz job scheduling library</a:t>
+            </a:r>
+            <a:r>
+              <a:rPr lang="en-US" sz="1700" b="1" dirty="0"/>
+              <a:t>.</a:t>
             </a:r>
           </a:p>
         </p:txBody>
@@ -12447,14 +13555,102 @@
         </p:blipFill>
         <p:spPr>
           <a:xfrm>
-            <a:off x="7635240" y="1397977"/>
-            <a:ext cx="4419600" cy="5200650"/>
+            <a:off x="7635240" y="1356036"/>
+            <a:ext cx="4419600" cy="4973828"/>
           </a:xfrm>
           <a:prstGeom prst="rect">
             <a:avLst/>
           </a:prstGeom>
+          <a:effectLst>
+            <a:outerShdw blurRad="50800" dist="38100" dir="2700000" algn="tl" rotWithShape="0">
+              <a:prstClr val="black">
+                <a:alpha val="40000"/>
+              </a:prstClr>
+            </a:outerShdw>
+          </a:effectLst>
         </p:spPr>
       </p:pic>
+      <p:sp>
+        <p:nvSpPr>
+          <p:cNvPr id="5" name="Rectangle 4"/>
+          <p:cNvSpPr/>
+          <p:nvPr/>
+        </p:nvSpPr>
+        <p:spPr>
+          <a:xfrm>
+            <a:off x="1679172" y="5994160"/>
+            <a:ext cx="5760720" cy="646331"/>
+          </a:xfrm>
+          <a:prstGeom prst="rect">
+            <a:avLst/>
+          </a:prstGeom>
+          <a:solidFill>
+            <a:schemeClr val="accent4">
+              <a:lumMod val="40000"/>
+              <a:lumOff val="60000"/>
+            </a:schemeClr>
+          </a:solidFill>
+        </p:spPr>
+        <p:txBody>
+          <a:bodyPr wrap="square">
+            <a:spAutoFit/>
+          </a:bodyPr>
+          <a:lstStyle/>
+          <a:p>
+            <a:pPr algn="ctr"/>
+            <a:r>
+              <a:rPr lang="en-US" b="1" dirty="0">
+                <a:solidFill>
+                  <a:srgbClr val="006600"/>
+                </a:solidFill>
+              </a:rPr>
+              <a:t>Presently IPWS is serving its objective satisfactorily across all ISRO centres/units.</a:t>
+            </a:r>
+          </a:p>
+        </p:txBody>
+      </p:sp>
+      <p:sp>
+        <p:nvSpPr>
+          <p:cNvPr id="6" name="TextBox 5"/>
+          <p:cNvSpPr txBox="1"/>
+          <p:nvPr/>
+        </p:nvSpPr>
+        <p:spPr>
+          <a:xfrm>
+            <a:off x="7635240" y="6388431"/>
+            <a:ext cx="4419600" cy="276999"/>
+          </a:xfrm>
+          <a:prstGeom prst="rect">
+            <a:avLst/>
+          </a:prstGeom>
+          <a:noFill/>
+          <a:ln>
+            <a:noFill/>
+          </a:ln>
+        </p:spPr>
+        <p:txBody>
+          <a:bodyPr wrap="square" rtlCol="0">
+            <a:spAutoFit/>
+          </a:bodyPr>
+          <a:lstStyle/>
+          <a:p>
+            <a:pPr algn="ctr"/>
+            <a:r>
+              <a:rPr lang="en-US" sz="1200" b="1" dirty="0" smtClean="0">
+                <a:solidFill>
+                  <a:schemeClr val="accent1"/>
+                </a:solidFill>
+              </a:rPr>
+              <a:t>ARCHITECTURE OF COINS-PFMS INTERFACE SOFTWARE </a:t>
+            </a:r>
+            <a:endParaRPr lang="en-IN" sz="1200" b="1" dirty="0">
+              <a:solidFill>
+                <a:schemeClr val="accent1"/>
+              </a:solidFill>
+            </a:endParaRPr>
+          </a:p>
+        </p:txBody>
+      </p:sp>
     </p:spTree>
     <p:extLst>
       <p:ext uri="{BB962C8B-B14F-4D97-AF65-F5344CB8AC3E}">
@@ -12475,7 +13671,7 @@
 </p:sld>
 </file>
 
-<file path=ppt/slides/slide4.xml><?xml version="1.0" encoding="utf-8"?>
+<file path=ppt/slides/slide5.xml><?xml version="1.0" encoding="utf-8"?>
 <p:sld xmlns:a="http://schemas.openxmlformats.org/drawingml/2006/main" xmlns:r="http://schemas.openxmlformats.org/officeDocument/2006/relationships" xmlns:p="http://schemas.openxmlformats.org/presentationml/2006/main">
   <p:cSld>
     <p:spTree>
@@ -12534,8 +13730,8 @@
         </p:nvSpPr>
         <p:spPr>
           <a:xfrm>
-            <a:off x="1679171" y="1397977"/>
-            <a:ext cx="10075025" cy="4145170"/>
+            <a:off x="1679171" y="1397978"/>
+            <a:ext cx="10075025" cy="3614598"/>
           </a:xfrm>
         </p:spPr>
         <p:txBody>
@@ -12554,8 +13750,41 @@
             </a:pPr>
             <a:r>
               <a:rPr lang="en-US" sz="1700" b="1" dirty="0"/>
-              <a:t>An interface to PFMS through web service consumption using XML files. </a:t>
-            </a:r>
+              <a:t>An interface to PFMS through web service consumption using XML files - </a:t>
+            </a:r>
+            <a:r>
+              <a:rPr lang="en-US" sz="1700" b="1" dirty="0" smtClean="0"/>
+              <a:t>jointly </a:t>
+            </a:r>
+            <a:r>
+              <a:rPr lang="en-US" sz="1700" b="1" dirty="0"/>
+              <a:t>developed by </a:t>
+            </a:r>
+            <a:r>
+              <a:rPr lang="en-US" sz="1700" b="1" dirty="0">
+                <a:solidFill>
+                  <a:srgbClr val="FF6600"/>
+                </a:solidFill>
+              </a:rPr>
+              <a:t>SDSC</a:t>
+            </a:r>
+            <a:r>
+              <a:rPr lang="en-US" sz="1700" b="1" dirty="0"/>
+              <a:t> and </a:t>
+            </a:r>
+            <a:r>
+              <a:rPr lang="en-US" sz="1700" b="1" dirty="0">
+                <a:solidFill>
+                  <a:srgbClr val="FF6600"/>
+                </a:solidFill>
+              </a:rPr>
+              <a:t>URSC</a:t>
+            </a:r>
+            <a:r>
+              <a:rPr lang="en-US" sz="1700" b="1" dirty="0" smtClean="0"/>
+              <a:t>. </a:t>
+            </a:r>
+            <a:endParaRPr lang="en-US" sz="1700" b="1" dirty="0"/>
           </a:p>
           <a:p>
             <a:pPr>
@@ -12568,11 +13797,11 @@
             </a:pPr>
             <a:r>
               <a:rPr lang="en-US" sz="1700" b="1" dirty="0" smtClean="0"/>
-              <a:t>Played </a:t>
+              <a:t>Contributed from </a:t>
             </a:r>
             <a:r>
               <a:rPr lang="en-US" sz="1700" b="1" dirty="0"/>
-              <a:t>key role from conceptual design to </a:t>
+              <a:t>conceptual design to </a:t>
             </a:r>
             <a:r>
               <a:rPr lang="en-US" sz="1700" b="1" dirty="0" smtClean="0"/>
@@ -12595,23 +13824,34 @@
             </a:r>
             <a:r>
               <a:rPr lang="en-US" sz="1700" b="1" dirty="0"/>
-              <a:t>a member of COINS-PFMS Interface Software Review Committee constituted by Chairman, ISRO, identified &amp; </a:t>
+              <a:t>a member of COINS-PFMS Interface Software Review Committee constituted by Chairman, ISRO, </a:t>
             </a:r>
             <a:r>
               <a:rPr lang="en-US" sz="1700" b="1" dirty="0">
                 <a:solidFill>
+                  <a:schemeClr val="accent1">
+                    <a:lumMod val="60000"/>
+                    <a:lumOff val="40000"/>
+                  </a:schemeClr>
+                </a:solidFill>
+              </a:rPr>
+              <a:t>identified</a:t>
+            </a:r>
+            <a:r>
+              <a:rPr lang="en-US" sz="1700" b="1" dirty="0"/>
+              <a:t> &amp; </a:t>
+            </a:r>
+            <a:r>
+              <a:rPr lang="en-US" sz="1700" b="1" dirty="0">
+                <a:solidFill>
                   <a:srgbClr val="FF6600"/>
                 </a:solidFill>
               </a:rPr>
-              <a:t>addressed all critical issues </a:t>
-            </a:r>
-            <a:r>
-              <a:rPr lang="en-US" sz="1700" b="1" dirty="0"/>
-              <a:t>being noticed after implementing this system and </a:t>
+              <a:t>addressed all post operational critical issues </a:t>
             </a:r>
             <a:r>
               <a:rPr lang="en-US" sz="1700" b="1" dirty="0" smtClean="0"/>
-              <a:t>stabilizing system </a:t>
+              <a:t>and stabilized system </a:t>
             </a:r>
             <a:r>
               <a:rPr lang="en-US" sz="1700" b="1" dirty="0"/>
@@ -12629,11 +13869,11 @@
             </a:pPr>
             <a:r>
               <a:rPr lang="en-US" sz="1700" b="1" dirty="0" smtClean="0"/>
-              <a:t>As </a:t>
+              <a:t>As a member </a:t>
             </a:r>
             <a:r>
               <a:rPr lang="en-US" sz="1700" b="1" dirty="0"/>
-              <a:t>member of PFMS Interface Software </a:t>
+              <a:t>of PFMS Interface Software </a:t>
             </a:r>
             <a:r>
               <a:rPr lang="en-US" sz="1700" b="1" dirty="0" err="1"/>
@@ -12641,14 +13881,14 @@
             </a:r>
             <a:r>
               <a:rPr lang="en-US" sz="1700" b="1" dirty="0"/>
-              <a:t> committee involved in </a:t>
-            </a:r>
-            <a:r>
-              <a:rPr lang="en-US" sz="1700" b="1" dirty="0">
-                <a:solidFill>
-                  <a:srgbClr val="FF6600"/>
-                </a:solidFill>
-              </a:rPr>
+              <a:t> committee </a:t>
+            </a:r>
+            <a:r>
+              <a:rPr lang="en-US" sz="1700" b="1" dirty="0" smtClean="0"/>
+              <a:t>carried out </a:t>
+            </a:r>
+            <a:r>
+              <a:rPr lang="en-US" sz="1700" b="1" dirty="0"/>
               <a:t>exhaustive </a:t>
             </a:r>
             <a:r>
@@ -12681,11 +13921,7 @@
             </a:r>
             <a:r>
               <a:rPr lang="en-US" sz="1700" b="1" dirty="0" smtClean="0"/>
-              <a:t>detailed test </a:t>
-            </a:r>
-            <a:r>
-              <a:rPr lang="en-US" sz="1700" b="1" dirty="0" smtClean="0"/>
-              <a:t>results report.</a:t>
+              <a:t>detailed test results report.</a:t>
             </a:r>
             <a:endParaRPr lang="en-US" sz="1700" b="1" dirty="0"/>
           </a:p>
@@ -12704,7 +13940,15 @@
             </a:r>
             <a:r>
               <a:rPr lang="en-US" sz="1700" b="1" dirty="0"/>
-              <a:t>a team leader of </a:t>
+              <a:t>a team </a:t>
+            </a:r>
+            <a:r>
+              <a:rPr lang="en-US" sz="1700" b="1" dirty="0" smtClean="0"/>
+              <a:t>lead carried </a:t>
+            </a:r>
+            <a:r>
+              <a:rPr lang="en-US" sz="1700" b="1" dirty="0"/>
+              <a:t>out </a:t>
             </a:r>
             <a:r>
               <a:rPr lang="en-US" sz="1700" b="1" dirty="0" smtClean="0">
@@ -12728,15 +13972,7 @@
             </a:r>
             <a:r>
               <a:rPr lang="en-US" sz="1700" b="1" dirty="0" smtClean="0"/>
-              <a:t>Software </a:t>
-            </a:r>
-            <a:r>
-              <a:rPr lang="en-US" sz="1700" b="1" dirty="0"/>
-              <a:t>team submitted </a:t>
-            </a:r>
-            <a:r>
-              <a:rPr lang="en-US" sz="1700" b="1" dirty="0" smtClean="0"/>
-              <a:t>detailed report to DD, RO, SDSC.</a:t>
+              <a:t>Software and submitted detailed report.</a:t>
             </a:r>
             <a:endParaRPr lang="en-US" sz="1700" b="1" dirty="0"/>
           </a:p>
@@ -12751,25 +13987,15 @@
             </a:pPr>
             <a:r>
               <a:rPr lang="en-US" sz="1700" b="1" dirty="0"/>
-              <a:t>As a member of Inter Centre Change Control Committee (ICCCC) provided necessary guidance and suggestions for proposed modifications and enhancements.</a:t>
-            </a:r>
-          </a:p>
-          <a:p>
-            <a:pPr>
-              <a:spcBef>
-                <a:spcPts val="300"/>
-              </a:spcBef>
-              <a:spcAft>
-                <a:spcPts val="300"/>
-              </a:spcAft>
-            </a:pPr>
+              <a:t>As a member of Inter Centre Change Control Committee (ICCCC) provided necessary guidance and suggestions for </a:t>
+            </a:r>
             <a:r>
               <a:rPr lang="en-US" sz="1700" b="1" dirty="0" smtClean="0"/>
-              <a:t>As </a:t>
+              <a:t>proposed </a:t>
             </a:r>
             <a:r>
               <a:rPr lang="en-US" sz="1700" b="1" dirty="0"/>
-              <a:t>a team leader successfully developed &amp; implemented scripts for reconciliation of COINS monthly accounts</a:t>
+              <a:t>modifications and enhancements</a:t>
             </a:r>
             <a:r>
               <a:rPr lang="en-US" sz="1700" b="1" dirty="0" smtClean="0"/>
@@ -12787,7 +14013,7 @@
         </p:nvGrpSpPr>
         <p:grpSpPr>
           <a:xfrm>
-            <a:off x="1679171" y="5368579"/>
+            <a:off x="1679171" y="4940039"/>
             <a:ext cx="10189419" cy="1227227"/>
             <a:chOff x="1679171" y="5543147"/>
             <a:chExt cx="10189419" cy="1227227"/>
@@ -13142,96 +14368,34 @@
           </p:cxnSp>
         </p:grpSp>
       </p:grpSp>
-    </p:spTree>
-    <p:extLst>
-      <p:ext uri="{BB962C8B-B14F-4D97-AF65-F5344CB8AC3E}">
-        <p14:creationId xmlns:p14="http://schemas.microsoft.com/office/powerpoint/2010/main" val="3466934113"/>
-      </p:ext>
-    </p:extLst>
-  </p:cSld>
-  <p:clrMapOvr>
-    <a:masterClrMapping/>
-  </p:clrMapOvr>
-  <p:timing>
-    <p:tnLst>
-      <p:par>
-        <p:cTn id="1" dur="indefinite" restart="never" nodeType="tmRoot"/>
-      </p:par>
-    </p:tnLst>
-  </p:timing>
-</p:sld>
-</file>
-
-<file path=ppt/slides/slide5.xml><?xml version="1.0" encoding="utf-8"?>
-<p:sld xmlns:a="http://schemas.openxmlformats.org/drawingml/2006/main" xmlns:r="http://schemas.openxmlformats.org/officeDocument/2006/relationships" xmlns:p="http://schemas.openxmlformats.org/presentationml/2006/main">
-  <p:cSld>
-    <p:spTree>
-      <p:nvGrpSpPr>
-        <p:cNvPr id="1" name=""/>
-        <p:cNvGrpSpPr/>
-        <p:nvPr/>
-      </p:nvGrpSpPr>
-      <p:grpSpPr>
-        <a:xfrm>
-          <a:off x="0" y="0"/>
-          <a:ext cx="0" cy="0"/>
-          <a:chOff x="0" y="0"/>
-          <a:chExt cx="0" cy="0"/>
-        </a:xfrm>
-      </p:grpSpPr>
       <p:sp>
         <p:nvSpPr>
-          <p:cNvPr id="2" name="Title 1"/>
-          <p:cNvSpPr>
-            <a:spLocks noGrp="1"/>
-          </p:cNvSpPr>
-          <p:nvPr>
-            <p:ph type="title"/>
-          </p:nvPr>
+          <p:cNvPr id="4" name="Rectangle 3"/>
+          <p:cNvSpPr/>
+          <p:nvPr/>
         </p:nvSpPr>
         <p:spPr>
           <a:xfrm>
-            <a:off x="1679171" y="631767"/>
-            <a:ext cx="10582103" cy="606829"/>
+            <a:off x="1679171" y="6134016"/>
+            <a:ext cx="10194245" cy="646331"/>
           </a:xfrm>
+          <a:prstGeom prst="rect">
+            <a:avLst/>
+          </a:prstGeom>
+          <a:solidFill>
+            <a:schemeClr val="accent4">
+              <a:lumMod val="40000"/>
+              <a:lumOff val="60000"/>
+            </a:schemeClr>
+          </a:solidFill>
         </p:spPr>
         <p:txBody>
-          <a:bodyPr>
-            <a:noAutofit/>
+          <a:bodyPr wrap="square">
+            <a:spAutoFit/>
           </a:bodyPr>
           <a:lstStyle/>
           <a:p>
-            <a:r>
-              <a:rPr lang="en-IN" sz="3200" b="1" dirty="0" smtClean="0"/>
-              <a:t>Sandesh - The Information System</a:t>
-            </a:r>
-            <a:endParaRPr lang="en-IN" sz="3200" b="1" dirty="0"/>
-          </a:p>
-        </p:txBody>
-      </p:sp>
-      <p:sp>
-        <p:nvSpPr>
-          <p:cNvPr id="3" name="Content Placeholder 2"/>
-          <p:cNvSpPr>
-            <a:spLocks noGrp="1"/>
-          </p:cNvSpPr>
-          <p:nvPr>
-            <p:ph idx="1"/>
-          </p:nvPr>
-        </p:nvSpPr>
-        <p:spPr>
-          <a:xfrm>
-            <a:off x="1679171" y="1397977"/>
-            <a:ext cx="10075025" cy="3656336"/>
-          </a:xfrm>
-        </p:spPr>
-        <p:txBody>
-          <a:bodyPr>
-            <a:noAutofit/>
-          </a:bodyPr>
-          <a:lstStyle/>
-          <a:p>
-            <a:pPr>
+            <a:pPr algn="ctr">
               <a:spcBef>
                 <a:spcPts val="300"/>
               </a:spcBef>
@@ -13240,407 +14404,76 @@
               </a:spcAft>
             </a:pPr>
             <a:r>
-              <a:rPr lang="en-US" sz="2000" b="1" dirty="0"/>
-              <a:t>Sandesh system provides required </a:t>
-            </a:r>
-            <a:r>
-              <a:rPr lang="en-US" sz="2000" b="1" dirty="0">
-                <a:solidFill>
-                  <a:srgbClr val="FF6600"/>
+              <a:rPr lang="en-US" b="1" dirty="0">
+                <a:solidFill>
+                  <a:srgbClr val="006600"/>
                 </a:solidFill>
               </a:rPr>
-              <a:t>personal information </a:t>
-            </a:r>
-            <a:r>
-              <a:rPr lang="en-US" sz="2000" b="1" dirty="0"/>
-              <a:t>to employees, </a:t>
-            </a:r>
-            <a:r>
-              <a:rPr lang="en-US" sz="2000" b="1" dirty="0">
-                <a:solidFill>
-                  <a:srgbClr val="FF6600"/>
+              <a:t>After implementing this system achieved high </a:t>
+            </a:r>
+            <a:r>
+              <a:rPr lang="en-US" b="1" u="sng" dirty="0">
+                <a:solidFill>
+                  <a:srgbClr val="006600"/>
                 </a:solidFill>
               </a:rPr>
-              <a:t>MIS reports </a:t>
-            </a:r>
-            <a:r>
-              <a:rPr lang="en-US" sz="2000" b="1" dirty="0"/>
-              <a:t>to management for decision making based on COWAA </a:t>
-            </a:r>
-            <a:r>
-              <a:rPr lang="en-US" sz="2000" b="1" dirty="0" smtClean="0"/>
-              <a:t>database. </a:t>
-            </a:r>
-            <a:endParaRPr lang="en-US" sz="2000" b="1" dirty="0"/>
-          </a:p>
-          <a:p>
-            <a:pPr>
-              <a:spcBef>
-                <a:spcPts val="300"/>
-              </a:spcBef>
-              <a:spcAft>
-                <a:spcPts val="300"/>
-              </a:spcAft>
-            </a:pPr>
-            <a:r>
-              <a:rPr lang="en-US" sz="2000" b="1" dirty="0"/>
-              <a:t>After implementing this system </a:t>
-            </a:r>
-            <a:r>
-              <a:rPr lang="en-US" sz="2000" b="1" dirty="0">
-                <a:solidFill>
-                  <a:schemeClr val="bg2">
-                    <a:lumMod val="50000"/>
-                  </a:schemeClr>
+              <a:t>financial discipline</a:t>
+            </a:r>
+            <a:r>
+              <a:rPr lang="en-US" b="1" dirty="0">
+                <a:solidFill>
+                  <a:srgbClr val="006600"/>
                 </a:solidFill>
               </a:rPr>
-              <a:t>reduced queries/calls </a:t>
-            </a:r>
-            <a:r>
-              <a:rPr lang="en-US" sz="2000" b="1" dirty="0"/>
-              <a:t>between administration areas and employees, </a:t>
-            </a:r>
-            <a:r>
-              <a:rPr lang="en-US" sz="2000" b="1" dirty="0">
-                <a:solidFill>
-                  <a:srgbClr val="FF6600"/>
+              <a:t> with </a:t>
+            </a:r>
+            <a:r>
+              <a:rPr lang="en-US" b="1" dirty="0" smtClean="0">
+                <a:solidFill>
+                  <a:srgbClr val="006600"/>
                 </a:solidFill>
               </a:rPr>
-              <a:t>saved time/paper</a:t>
-            </a:r>
-            <a:r>
-              <a:rPr lang="en-US" sz="2000" b="1" dirty="0"/>
-              <a:t>, provides </a:t>
-            </a:r>
-            <a:r>
-              <a:rPr lang="en-US" sz="2000" b="1" dirty="0">
-                <a:solidFill>
-                  <a:schemeClr val="bg2">
-                    <a:lumMod val="50000"/>
-                  </a:schemeClr>
+              <a:t>transparency and </a:t>
+            </a:r>
+            <a:r>
+              <a:rPr lang="en-US" b="1" u="sng" dirty="0">
+                <a:solidFill>
+                  <a:srgbClr val="006600"/>
                 </a:solidFill>
               </a:rPr>
-              <a:t>effective working </a:t>
-            </a:r>
-            <a:r>
-              <a:rPr lang="en-US" sz="2000" b="1" dirty="0" smtClean="0">
-                <a:solidFill>
-                  <a:schemeClr val="bg2">
-                    <a:lumMod val="50000"/>
-                  </a:schemeClr>
+              <a:t>electronically disbursing </a:t>
+            </a:r>
+            <a:r>
+              <a:rPr lang="en-US" b="1" u="sng" dirty="0" smtClean="0">
+                <a:solidFill>
+                  <a:srgbClr val="006600"/>
                 </a:solidFill>
               </a:rPr>
-              <a:t>environment</a:t>
-            </a:r>
-            <a:r>
-              <a:rPr lang="en-US" sz="2000" b="1" dirty="0" smtClean="0"/>
-              <a:t>.</a:t>
-            </a:r>
-            <a:endParaRPr lang="en-US" sz="2000" b="1" dirty="0"/>
-          </a:p>
-          <a:p>
-            <a:pPr>
-              <a:spcBef>
-                <a:spcPts val="300"/>
-              </a:spcBef>
-              <a:spcAft>
-                <a:spcPts val="300"/>
-              </a:spcAft>
-            </a:pPr>
-            <a:r>
-              <a:rPr lang="en-IN" sz="2000" b="1" dirty="0" smtClean="0"/>
-              <a:t>Comprehensive </a:t>
-            </a:r>
-            <a:r>
-              <a:rPr lang="en-IN" sz="2000" b="1" dirty="0"/>
-              <a:t>online system for </a:t>
-            </a:r>
-            <a:r>
-              <a:rPr lang="en-IN" sz="2000" b="1" dirty="0">
-                <a:solidFill>
-                  <a:srgbClr val="FF6600"/>
+              <a:t>of payments</a:t>
+            </a:r>
+            <a:r>
+              <a:rPr lang="en-US" b="1" dirty="0" smtClean="0">
+                <a:solidFill>
+                  <a:srgbClr val="006600"/>
                 </a:solidFill>
               </a:rPr>
-              <a:t>Official Travelling </a:t>
-            </a:r>
-            <a:r>
-              <a:rPr lang="en-IN" sz="2000" b="1" dirty="0" smtClean="0">
-                <a:solidFill>
-                  <a:srgbClr val="FF6600"/>
+              <a:t> to </a:t>
+            </a:r>
+            <a:r>
+              <a:rPr lang="en-US" b="1" dirty="0">
+                <a:solidFill>
+                  <a:srgbClr val="006600"/>
                 </a:solidFill>
               </a:rPr>
-              <a:t>Allowance</a:t>
-            </a:r>
-            <a:r>
-              <a:rPr lang="en-IN" sz="2000" b="1" dirty="0" smtClean="0"/>
-              <a:t>.</a:t>
-            </a:r>
-          </a:p>
-          <a:p>
-            <a:pPr>
-              <a:spcBef>
-                <a:spcPts val="300"/>
-              </a:spcBef>
-              <a:spcAft>
-                <a:spcPts val="300"/>
-              </a:spcAft>
-            </a:pPr>
-            <a:r>
-              <a:rPr lang="en-US" sz="2000" b="1" dirty="0" smtClean="0"/>
-              <a:t>Successfully </a:t>
-            </a:r>
-            <a:r>
-              <a:rPr lang="en-US" sz="2000" b="1" dirty="0"/>
-              <a:t>implemented concept of </a:t>
-            </a:r>
-            <a:r>
-              <a:rPr lang="en-US" sz="2000" b="1" dirty="0">
-                <a:solidFill>
-                  <a:schemeClr val="bg2">
-                    <a:lumMod val="50000"/>
-                  </a:schemeClr>
-                </a:solidFill>
-              </a:rPr>
-              <a:t>CONNECTION </a:t>
-            </a:r>
-            <a:r>
-              <a:rPr lang="en-US" sz="2000" b="1" dirty="0" smtClean="0">
-                <a:solidFill>
-                  <a:schemeClr val="bg2">
-                    <a:lumMod val="50000"/>
-                  </a:schemeClr>
-                </a:solidFill>
-              </a:rPr>
-              <a:t>POOLING </a:t>
-            </a:r>
-            <a:r>
-              <a:rPr lang="en-US" sz="2000" b="1" dirty="0" smtClean="0"/>
-              <a:t>concept for improving performance.</a:t>
-            </a:r>
-          </a:p>
-          <a:p>
-            <a:pPr>
-              <a:spcBef>
-                <a:spcPts val="300"/>
-              </a:spcBef>
-              <a:spcAft>
-                <a:spcPts val="300"/>
-              </a:spcAft>
-            </a:pPr>
-            <a:r>
-              <a:rPr lang="en-US" sz="2000" b="1" dirty="0"/>
-              <a:t>Successfully operationalized </a:t>
-            </a:r>
-            <a:r>
-              <a:rPr lang="en-US" sz="2000" b="1" dirty="0">
-                <a:solidFill>
-                  <a:srgbClr val="FF6600"/>
-                </a:solidFill>
-              </a:rPr>
-              <a:t>email</a:t>
-            </a:r>
-            <a:r>
-              <a:rPr lang="en-US" sz="2000" b="1" dirty="0"/>
-              <a:t> and </a:t>
-            </a:r>
-            <a:r>
-              <a:rPr lang="en-US" sz="2000" b="1" dirty="0">
-                <a:solidFill>
-                  <a:srgbClr val="FF6600"/>
-                </a:solidFill>
-              </a:rPr>
-              <a:t>SMS </a:t>
-            </a:r>
-            <a:r>
-              <a:rPr lang="en-US" sz="2000" b="1" dirty="0" smtClean="0">
-                <a:solidFill>
-                  <a:srgbClr val="FF6600"/>
-                </a:solidFill>
-              </a:rPr>
-              <a:t>gateway </a:t>
-            </a:r>
-            <a:r>
-              <a:rPr lang="en-US" sz="2000" b="1" dirty="0" smtClean="0"/>
-              <a:t>interface.</a:t>
-            </a:r>
-          </a:p>
-          <a:p>
-            <a:pPr>
-              <a:spcBef>
-                <a:spcPts val="300"/>
-              </a:spcBef>
-              <a:spcAft>
-                <a:spcPts val="300"/>
-              </a:spcAft>
-            </a:pPr>
-            <a:r>
-              <a:rPr lang="en-US" sz="2000" b="1" dirty="0" smtClean="0"/>
-              <a:t>Sandesh </a:t>
-            </a:r>
-            <a:r>
-              <a:rPr lang="en-US" sz="2000" b="1" dirty="0"/>
-              <a:t>system </a:t>
-            </a:r>
-            <a:r>
-              <a:rPr lang="en-US" sz="2000" b="1" dirty="0" smtClean="0"/>
-              <a:t>deployed </a:t>
-            </a:r>
-            <a:r>
-              <a:rPr lang="en-US" sz="2000" b="1" dirty="0"/>
-              <a:t>at </a:t>
-            </a:r>
-            <a:r>
-              <a:rPr lang="en-US" sz="2000" b="1" dirty="0">
-                <a:solidFill>
-                  <a:srgbClr val="FF6600"/>
-                </a:solidFill>
-              </a:rPr>
-              <a:t>VSSC, </a:t>
-            </a:r>
-            <a:r>
-              <a:rPr lang="en-US" sz="2000" b="1" dirty="0" err="1">
-                <a:solidFill>
-                  <a:srgbClr val="FF6600"/>
-                </a:solidFill>
-              </a:rPr>
-              <a:t>LPSC</a:t>
-            </a:r>
-            <a:r>
-              <a:rPr lang="en-US" sz="2000" b="1" dirty="0">
-                <a:solidFill>
-                  <a:srgbClr val="FF6600"/>
-                </a:solidFill>
-              </a:rPr>
-              <a:t>(B), </a:t>
-            </a:r>
-            <a:r>
-              <a:rPr lang="en-US" sz="2000" b="1" dirty="0" err="1">
-                <a:solidFill>
-                  <a:srgbClr val="FF6600"/>
-                </a:solidFill>
-              </a:rPr>
-              <a:t>HSFC</a:t>
-            </a:r>
-            <a:r>
-              <a:rPr lang="en-US" sz="2000" b="1" dirty="0">
-                <a:solidFill>
-                  <a:srgbClr val="FF6600"/>
-                </a:solidFill>
-              </a:rPr>
-              <a:t>, </a:t>
-            </a:r>
-            <a:r>
-              <a:rPr lang="en-US" sz="2000" b="1" dirty="0" err="1" smtClean="0">
-                <a:solidFill>
-                  <a:srgbClr val="FF6600"/>
-                </a:solidFill>
-              </a:rPr>
-              <a:t>MCF</a:t>
-            </a:r>
-            <a:r>
-              <a:rPr lang="en-US" sz="2000" b="1" dirty="0" smtClean="0">
-                <a:solidFill>
-                  <a:srgbClr val="FF6600"/>
-                </a:solidFill>
-              </a:rPr>
-              <a:t>, ISRO HQ </a:t>
-            </a:r>
-            <a:r>
-              <a:rPr lang="en-US" sz="2000" b="1" dirty="0"/>
-              <a:t>and</a:t>
-            </a:r>
-            <a:r>
-              <a:rPr lang="en-US" sz="2000" b="1" dirty="0">
-                <a:solidFill>
-                  <a:srgbClr val="FF6600"/>
-                </a:solidFill>
-              </a:rPr>
-              <a:t> </a:t>
-            </a:r>
-            <a:r>
-              <a:rPr lang="en-US" sz="2000" b="1" dirty="0" err="1">
-                <a:solidFill>
-                  <a:srgbClr val="FF6600"/>
-                </a:solidFill>
-              </a:rPr>
-              <a:t>PRL</a:t>
-            </a:r>
-            <a:r>
-              <a:rPr lang="en-US" sz="2000" b="1" dirty="0"/>
-              <a:t>.</a:t>
-            </a:r>
-            <a:endParaRPr lang="en-IN" sz="2000" b="1" dirty="0"/>
+              <a:t>payee bank accounts.</a:t>
+            </a:r>
           </a:p>
         </p:txBody>
       </p:sp>
-      <p:pic>
-        <p:nvPicPr>
-          <p:cNvPr id="20" name="Picture 19"/>
-          <p:cNvPicPr/>
-          <p:nvPr/>
-        </p:nvPicPr>
-        <p:blipFill>
-          <a:blip r:embed="rId2" cstate="print">
-            <a:extLst>
-              <a:ext uri="{28A0092B-C50C-407E-A947-70E740481C1C}">
-                <a14:useLocalDpi xmlns:a14="http://schemas.microsoft.com/office/drawing/2010/main" val="0"/>
-              </a:ext>
-            </a:extLst>
-          </a:blip>
-          <a:srcRect/>
-          <a:stretch>
-            <a:fillRect/>
-          </a:stretch>
-        </p:blipFill>
-        <p:spPr bwMode="auto">
-          <a:xfrm>
-            <a:off x="2111433" y="4946074"/>
-            <a:ext cx="4480560" cy="1870361"/>
-          </a:xfrm>
-          <a:prstGeom prst="rect">
-            <a:avLst/>
-          </a:prstGeom>
-          <a:noFill/>
-          <a:ln>
-            <a:solidFill>
-              <a:schemeClr val="accent1"/>
-            </a:solidFill>
-          </a:ln>
-        </p:spPr>
-      </p:pic>
-      <p:pic>
-        <p:nvPicPr>
-          <p:cNvPr id="14" name="Picture 13"/>
-          <p:cNvPicPr>
-            <a:picLocks noChangeAspect="1"/>
-          </p:cNvPicPr>
-          <p:nvPr/>
-        </p:nvPicPr>
-        <p:blipFill>
-          <a:blip r:embed="rId3"/>
-          <a:stretch>
-            <a:fillRect/>
-          </a:stretch>
-        </p:blipFill>
-        <p:spPr>
-          <a:xfrm>
-            <a:off x="7373389" y="4946074"/>
-            <a:ext cx="4380807" cy="1870361"/>
-          </a:xfrm>
-          <a:prstGeom prst="rect">
-            <a:avLst/>
-          </a:prstGeom>
-          <a:ln>
-            <a:solidFill>
-              <a:schemeClr val="accent1"/>
-            </a:solidFill>
-          </a:ln>
-        </p:spPr>
-      </p:pic>
     </p:spTree>
     <p:extLst>
       <p:ext uri="{BB962C8B-B14F-4D97-AF65-F5344CB8AC3E}">
-        <p14:creationId xmlns:p14="http://schemas.microsoft.com/office/powerpoint/2010/main" val="169037752"/>
+        <p14:creationId xmlns:p14="http://schemas.microsoft.com/office/powerpoint/2010/main" val="3466934113"/>
       </p:ext>
     </p:extLst>
   </p:cSld>
@@ -13686,8 +14519,8 @@
         </p:nvSpPr>
         <p:spPr>
           <a:xfrm>
-            <a:off x="1679171" y="688691"/>
-            <a:ext cx="10532227" cy="549905"/>
+            <a:off x="1679171" y="631767"/>
+            <a:ext cx="10582103" cy="606829"/>
           </a:xfrm>
         </p:spPr>
         <p:txBody>
@@ -13698,7 +14531,7 @@
           <a:p>
             <a:r>
               <a:rPr lang="en-IN" sz="3200" b="1" dirty="0" smtClean="0"/>
-              <a:t>Other Activities</a:t>
+              <a:t>Sandesh - The Information System</a:t>
             </a:r>
             <a:endParaRPr lang="en-IN" sz="3200" b="1" dirty="0"/>
           </a:p>
@@ -13716,8 +14549,8 @@
         </p:nvSpPr>
         <p:spPr>
           <a:xfrm>
-            <a:off x="1679171" y="1397976"/>
-            <a:ext cx="10075025" cy="5343645"/>
+            <a:off x="1436576" y="1437635"/>
+            <a:ext cx="6942314" cy="4434532"/>
           </a:xfrm>
         </p:spPr>
         <p:txBody>
@@ -13735,27 +14568,42 @@
               </a:spcAft>
             </a:pPr>
             <a:r>
-              <a:rPr lang="en-US" sz="2000" b="1" dirty="0" smtClean="0"/>
-              <a:t>As </a:t>
-            </a:r>
-            <a:r>
-              <a:rPr lang="en-US" sz="2000" b="1" dirty="0"/>
-              <a:t>a co-author submitted technical paper on ‘</a:t>
-            </a:r>
-            <a:r>
-              <a:rPr lang="en-US" sz="2000" b="1" dirty="0">
+              <a:rPr lang="en-US" sz="1700" b="1" dirty="0"/>
+              <a:t>Sandesh system provides required </a:t>
+            </a:r>
+            <a:r>
+              <a:rPr lang="en-US" sz="1700" b="1" dirty="0">
                 <a:solidFill>
                   <a:schemeClr val="bg2">
                     <a:lumMod val="50000"/>
                   </a:schemeClr>
                 </a:solidFill>
               </a:rPr>
-              <a:t>e-Governance Initiative in URSC - Automation of various Government-to-Employee (G2E) Services</a:t>
-            </a:r>
-            <a:r>
-              <a:rPr lang="en-US" sz="2000" b="1" dirty="0"/>
-              <a:t>’ to ISRO Seminar on Computer and Information Technology (ISCIT) – 2018 and same has been selected for oral presentation.</a:t>
-            </a:r>
+              <a:t>personal information </a:t>
+            </a:r>
+            <a:r>
+              <a:rPr lang="en-US" sz="1700" b="1" dirty="0"/>
+              <a:t>to employees, </a:t>
+            </a:r>
+            <a:r>
+              <a:rPr lang="en-US" sz="1700" b="1" dirty="0">
+                <a:solidFill>
+                  <a:schemeClr val="bg2">
+                    <a:lumMod val="50000"/>
+                  </a:schemeClr>
+                </a:solidFill>
+              </a:rPr>
+              <a:t>MIS reports </a:t>
+            </a:r>
+            <a:r>
+              <a:rPr lang="en-US" sz="1700" b="1" dirty="0"/>
+              <a:t>to management for decision making based on COWAA </a:t>
+            </a:r>
+            <a:r>
+              <a:rPr lang="en-US" sz="1700" b="1" dirty="0" smtClean="0"/>
+              <a:t>database. </a:t>
+            </a:r>
+            <a:endParaRPr lang="en-US" sz="1700" b="1" dirty="0"/>
           </a:p>
           <a:p>
             <a:pPr>
@@ -13767,77 +14615,17 @@
               </a:spcAft>
             </a:pPr>
             <a:r>
-              <a:rPr lang="en-US" sz="2000" b="1" dirty="0" smtClean="0"/>
-              <a:t>Designed </a:t>
-            </a:r>
-            <a:r>
-              <a:rPr lang="en-US" sz="2000" b="1" dirty="0"/>
-              <a:t>and developed a prototype model and demonstrated to fetch the data from multi-disciplinary databases over the network using latest </a:t>
-            </a:r>
-            <a:r>
-              <a:rPr lang="en-US" sz="2000" b="1" dirty="0">
-                <a:solidFill>
-                  <a:srgbClr val="FF6600"/>
-                </a:solidFill>
-              </a:rPr>
-              <a:t>SPRING-BOOT</a:t>
-            </a:r>
-            <a:r>
-              <a:rPr lang="en-US" sz="2000" b="1" dirty="0"/>
-              <a:t> Technology</a:t>
-            </a:r>
-            <a:r>
-              <a:rPr lang="en-US" sz="2000" b="1" dirty="0" smtClean="0"/>
-              <a:t>.</a:t>
-            </a:r>
-          </a:p>
-          <a:p>
-            <a:pPr marL="400050" lvl="1" indent="0">
-              <a:spcBef>
-                <a:spcPts val="300"/>
-              </a:spcBef>
-              <a:spcAft>
-                <a:spcPts val="300"/>
-              </a:spcAft>
-              <a:buNone/>
-            </a:pPr>
-            <a:r>
-              <a:rPr lang="en-US" sz="2000" b="1" dirty="0"/>
-              <a:t>This </a:t>
-            </a:r>
-            <a:r>
-              <a:rPr lang="en-US" sz="2000" b="1" dirty="0" smtClean="0"/>
-              <a:t>demonstrates </a:t>
-            </a:r>
-            <a:r>
-              <a:rPr lang="en-US" sz="2000" b="1" smtClean="0"/>
-              <a:t>data retrieved </a:t>
-            </a:r>
-            <a:r>
-              <a:rPr lang="en-US" sz="2000" b="1" dirty="0" smtClean="0"/>
-              <a:t>from </a:t>
-            </a:r>
-            <a:r>
-              <a:rPr lang="en-US" sz="2000" b="1" dirty="0"/>
-              <a:t>across </a:t>
-            </a:r>
-            <a:r>
-              <a:rPr lang="en-US" sz="2000" b="1" dirty="0" smtClean="0"/>
-              <a:t>all </a:t>
-            </a:r>
-            <a:r>
-              <a:rPr lang="en-US" sz="2000" b="1" dirty="0"/>
-              <a:t>ISRO centers can be processed at a common server to extract </a:t>
-            </a:r>
-            <a:r>
-              <a:rPr lang="en-US" sz="2000" b="1" dirty="0" smtClean="0"/>
-              <a:t>desired </a:t>
-            </a:r>
-            <a:r>
-              <a:rPr lang="en-US" sz="2000" b="1" dirty="0"/>
-              <a:t>outcome which shall help management for decision making.</a:t>
-            </a:r>
-            <a:endParaRPr lang="en-US" sz="2000" b="1" dirty="0" smtClean="0"/>
+              <a:rPr lang="en-US" sz="1700" b="1" dirty="0" smtClean="0"/>
+              <a:t>Responsible for complete </a:t>
+            </a:r>
+            <a:r>
+              <a:rPr lang="en-US" sz="1700" b="1" dirty="0" err="1" smtClean="0"/>
+              <a:t>SDLC</a:t>
+            </a:r>
+            <a:r>
+              <a:rPr lang="en-US" sz="1700" b="1" dirty="0" smtClean="0"/>
+              <a:t> of this system.</a:t>
+            </a:r>
           </a:p>
           <a:p>
             <a:pPr>
@@ -13849,19 +14637,110 @@
               </a:spcAft>
             </a:pPr>
             <a:r>
-              <a:rPr lang="en-US" sz="2000" b="1" dirty="0"/>
-              <a:t>Implemented software latest version control system using </a:t>
-            </a:r>
-            <a:r>
-              <a:rPr lang="en-US" sz="2000" b="1" dirty="0" err="1">
+              <a:rPr lang="en-US" sz="1700" b="1" dirty="0" smtClean="0"/>
+              <a:t>Successfully </a:t>
+            </a:r>
+            <a:r>
+              <a:rPr lang="en-IN" sz="1700" b="1" dirty="0" smtClean="0"/>
+              <a:t>operationalised online </a:t>
+            </a:r>
+            <a:r>
+              <a:rPr lang="en-IN" sz="1700" b="1" dirty="0" smtClean="0">
                 <a:solidFill>
                   <a:srgbClr val="FF6600"/>
                 </a:solidFill>
               </a:rPr>
-              <a:t>Git</a:t>
-            </a:r>
-            <a:r>
-              <a:rPr lang="en-US" sz="2000" b="1" dirty="0">
+              <a:t>Official </a:t>
+            </a:r>
+            <a:r>
+              <a:rPr lang="en-IN" sz="1700" b="1" dirty="0">
+                <a:solidFill>
+                  <a:srgbClr val="FF6600"/>
+                </a:solidFill>
+              </a:rPr>
+              <a:t>Travelling </a:t>
+            </a:r>
+            <a:r>
+              <a:rPr lang="en-IN" sz="1700" b="1" dirty="0" smtClean="0">
+                <a:solidFill>
+                  <a:srgbClr val="FF6600"/>
+                </a:solidFill>
+              </a:rPr>
+              <a:t>Allowance </a:t>
+            </a:r>
+            <a:r>
+              <a:rPr lang="en-IN" sz="1700" b="1" dirty="0">
+                <a:solidFill>
+                  <a:srgbClr val="FF6600"/>
+                </a:solidFill>
+              </a:rPr>
+              <a:t>b</a:t>
+            </a:r>
+            <a:r>
+              <a:rPr lang="en-IN" sz="1700" b="1" dirty="0" smtClean="0">
+                <a:solidFill>
+                  <a:srgbClr val="FF6600"/>
+                </a:solidFill>
+              </a:rPr>
+              <a:t>ills</a:t>
+            </a:r>
+            <a:r>
+              <a:rPr lang="en-IN" sz="1700" b="1" dirty="0" smtClean="0"/>
+              <a:t> </a:t>
+            </a:r>
+            <a:r>
+              <a:rPr lang="en-IN" sz="1700" b="1" dirty="0"/>
+              <a:t>processing, </a:t>
+            </a:r>
+            <a:r>
+              <a:rPr lang="en-US" sz="1700" b="1" dirty="0">
+                <a:solidFill>
+                  <a:srgbClr val="FF6600"/>
+                </a:solidFill>
+              </a:rPr>
+              <a:t>Telephone Bills </a:t>
+            </a:r>
+            <a:r>
+              <a:rPr lang="en-US" sz="1700" b="1" dirty="0"/>
+              <a:t>Reimbursement</a:t>
+            </a:r>
+            <a:r>
+              <a:rPr lang="en-US" sz="1700" b="1" dirty="0">
+                <a:solidFill>
+                  <a:schemeClr val="tx1">
+                    <a:lumMod val="65000"/>
+                    <a:lumOff val="35000"/>
+                  </a:schemeClr>
+                </a:solidFill>
+              </a:rPr>
+              <a:t>, </a:t>
+            </a:r>
+            <a:r>
+              <a:rPr lang="en-US" sz="1700" b="1" dirty="0">
+                <a:solidFill>
+                  <a:srgbClr val="FF6600"/>
+                </a:solidFill>
+              </a:rPr>
+              <a:t>Payment details to suppliers through </a:t>
+            </a:r>
+            <a:r>
+              <a:rPr lang="en-US" sz="1700" b="1" dirty="0" smtClean="0">
+                <a:solidFill>
+                  <a:srgbClr val="FF6600"/>
+                </a:solidFill>
+              </a:rPr>
+              <a:t>email/SMS, </a:t>
+            </a:r>
+            <a:r>
+              <a:rPr lang="en-US" sz="1700" b="1" dirty="0" err="1" smtClean="0">
+                <a:solidFill>
+                  <a:srgbClr val="FF6600"/>
+                </a:solidFill>
+              </a:rPr>
+              <a:t>etc</a:t>
+            </a:r>
+            <a:r>
+              <a:rPr lang="en-US" sz="1700" b="1" dirty="0" smtClean="0">
                 <a:solidFill>
                   <a:srgbClr val="FF6600"/>
                 </a:solidFill>
@@ -13869,12 +14748,16 @@
               <a:t> </a:t>
             </a:r>
             <a:r>
-              <a:rPr lang="en-US" sz="2000" b="1" dirty="0"/>
-              <a:t>tool for all software developmental activities of MISD/PPEG, </a:t>
-            </a:r>
-            <a:r>
-              <a:rPr lang="en-US" sz="2000" b="1" dirty="0" smtClean="0"/>
-              <a:t>URSC.</a:t>
+              <a:rPr lang="en-US" sz="1700" b="1" dirty="0"/>
+              <a:t>as a part of </a:t>
+            </a:r>
+            <a:r>
+              <a:rPr lang="en-US" sz="1700" b="1" dirty="0" smtClean="0"/>
+              <a:t>enhancements and providing maintenance support</a:t>
+            </a:r>
+            <a:r>
+              <a:rPr lang="en-IN" sz="1700" b="1" dirty="0" smtClean="0"/>
+              <a:t>.</a:t>
             </a:r>
           </a:p>
           <a:p>
@@ -13887,21 +14770,491 @@
               </a:spcAft>
             </a:pPr>
             <a:r>
-              <a:rPr lang="en-US" sz="2000" b="1" dirty="0" smtClean="0"/>
-              <a:t>Responsible </a:t>
-            </a:r>
-            <a:r>
-              <a:rPr lang="en-US" sz="2000" b="1" dirty="0"/>
-              <a:t>for operation and maintenance of the finance, accounts, purchase and stores and payroll related modules of COINS.</a:t>
-            </a:r>
-            <a:endParaRPr lang="en-IN" sz="2000" b="1" dirty="0"/>
+              <a:rPr lang="en-US" sz="1700" b="1" dirty="0" smtClean="0"/>
+              <a:t>Successfully </a:t>
+            </a:r>
+            <a:r>
+              <a:rPr lang="en-US" sz="1700" b="1" dirty="0"/>
+              <a:t>implemented concept </a:t>
+            </a:r>
+            <a:r>
+              <a:rPr lang="en-US" sz="1700" b="1" dirty="0" smtClean="0"/>
+              <a:t>of </a:t>
+            </a:r>
+            <a:r>
+              <a:rPr lang="en-US" sz="1700" b="1" dirty="0" smtClean="0">
+                <a:solidFill>
+                  <a:schemeClr val="bg2">
+                    <a:lumMod val="50000"/>
+                  </a:schemeClr>
+                </a:solidFill>
+              </a:rPr>
+              <a:t>CONNECTION POOLING</a:t>
+            </a:r>
+            <a:r>
+              <a:rPr lang="en-US" sz="1700" b="1" dirty="0" smtClean="0"/>
+              <a:t>.</a:t>
+            </a:r>
+          </a:p>
+          <a:p>
+            <a:pPr>
+              <a:spcBef>
+                <a:spcPts val="300"/>
+              </a:spcBef>
+              <a:spcAft>
+                <a:spcPts val="300"/>
+              </a:spcAft>
+            </a:pPr>
+            <a:r>
+              <a:rPr lang="en-US" sz="1700" b="1" dirty="0"/>
+              <a:t>Successfully operationalized </a:t>
+            </a:r>
+            <a:r>
+              <a:rPr lang="en-US" sz="1700" b="1" dirty="0">
+                <a:solidFill>
+                  <a:srgbClr val="FF6600"/>
+                </a:solidFill>
+              </a:rPr>
+              <a:t>email</a:t>
+            </a:r>
+            <a:r>
+              <a:rPr lang="en-US" sz="1700" b="1" dirty="0"/>
+              <a:t> and </a:t>
+            </a:r>
+            <a:r>
+              <a:rPr lang="en-US" sz="1700" b="1" dirty="0">
+                <a:solidFill>
+                  <a:srgbClr val="FF6600"/>
+                </a:solidFill>
+              </a:rPr>
+              <a:t>SMS </a:t>
+            </a:r>
+            <a:r>
+              <a:rPr lang="en-US" sz="1700" b="1" dirty="0" smtClean="0">
+                <a:solidFill>
+                  <a:srgbClr val="FF6600"/>
+                </a:solidFill>
+              </a:rPr>
+              <a:t>gateway </a:t>
+            </a:r>
+            <a:r>
+              <a:rPr lang="en-US" sz="1700" b="1" dirty="0" smtClean="0"/>
+              <a:t>interface which enables </a:t>
+            </a:r>
+            <a:r>
+              <a:rPr lang="en-US" sz="1700" b="1" dirty="0"/>
+              <a:t>e-Governance</a:t>
+            </a:r>
+            <a:r>
+              <a:rPr lang="en-US" sz="1700" b="1" dirty="0" smtClean="0"/>
+              <a:t>.</a:t>
+            </a:r>
+          </a:p>
+          <a:p>
+            <a:pPr>
+              <a:spcBef>
+                <a:spcPts val="300"/>
+              </a:spcBef>
+              <a:spcAft>
+                <a:spcPts val="300"/>
+              </a:spcAft>
+            </a:pPr>
+            <a:r>
+              <a:rPr lang="en-US" sz="1700" b="1" dirty="0" smtClean="0"/>
+              <a:t>Sandesh </a:t>
+            </a:r>
+            <a:r>
+              <a:rPr lang="en-US" sz="1700" b="1" dirty="0"/>
+              <a:t>system </a:t>
+            </a:r>
+            <a:r>
+              <a:rPr lang="en-US" sz="1700" b="1" dirty="0" smtClean="0"/>
+              <a:t>deployed </a:t>
+            </a:r>
+            <a:r>
+              <a:rPr lang="en-US" sz="1700" b="1" dirty="0"/>
+              <a:t>at </a:t>
+            </a:r>
+            <a:r>
+              <a:rPr lang="en-US" sz="1700" b="1" dirty="0">
+                <a:solidFill>
+                  <a:srgbClr val="FF6600"/>
+                </a:solidFill>
+              </a:rPr>
+              <a:t>VSSC, </a:t>
+            </a:r>
+            <a:r>
+              <a:rPr lang="en-US" sz="1700" b="1" dirty="0" err="1">
+                <a:solidFill>
+                  <a:srgbClr val="FF6600"/>
+                </a:solidFill>
+              </a:rPr>
+              <a:t>LPSC</a:t>
+            </a:r>
+            <a:r>
+              <a:rPr lang="en-US" sz="1700" b="1" dirty="0">
+                <a:solidFill>
+                  <a:srgbClr val="FF6600"/>
+                </a:solidFill>
+              </a:rPr>
+              <a:t>(B), </a:t>
+            </a:r>
+            <a:r>
+              <a:rPr lang="en-US" sz="1700" b="1" dirty="0" err="1">
+                <a:solidFill>
+                  <a:srgbClr val="FF6600"/>
+                </a:solidFill>
+              </a:rPr>
+              <a:t>HSFC</a:t>
+            </a:r>
+            <a:r>
+              <a:rPr lang="en-US" sz="1700" b="1" dirty="0">
+                <a:solidFill>
+                  <a:srgbClr val="FF6600"/>
+                </a:solidFill>
+              </a:rPr>
+              <a:t>, </a:t>
+            </a:r>
+            <a:r>
+              <a:rPr lang="en-US" sz="1700" b="1" dirty="0" err="1" smtClean="0">
+                <a:solidFill>
+                  <a:srgbClr val="FF6600"/>
+                </a:solidFill>
+              </a:rPr>
+              <a:t>MCF</a:t>
+            </a:r>
+            <a:r>
+              <a:rPr lang="en-US" sz="1700" b="1" dirty="0" smtClean="0">
+                <a:solidFill>
+                  <a:srgbClr val="FF6600"/>
+                </a:solidFill>
+              </a:rPr>
+              <a:t>, ISRO HQ </a:t>
+            </a:r>
+            <a:r>
+              <a:rPr lang="en-US" sz="1700" b="1" dirty="0"/>
+              <a:t>and</a:t>
+            </a:r>
+            <a:r>
+              <a:rPr lang="en-US" sz="1700" b="1" dirty="0">
+                <a:solidFill>
+                  <a:srgbClr val="FF6600"/>
+                </a:solidFill>
+              </a:rPr>
+              <a:t> </a:t>
+            </a:r>
+            <a:r>
+              <a:rPr lang="en-US" sz="1700" b="1" dirty="0" err="1">
+                <a:solidFill>
+                  <a:srgbClr val="FF6600"/>
+                </a:solidFill>
+              </a:rPr>
+              <a:t>PRL</a:t>
+            </a:r>
+            <a:r>
+              <a:rPr lang="en-US" sz="1700" b="1" dirty="0" smtClean="0"/>
+              <a:t>.</a:t>
+            </a:r>
+          </a:p>
+          <a:p>
+            <a:pPr>
+              <a:spcBef>
+                <a:spcPts val="300"/>
+              </a:spcBef>
+              <a:spcAft>
+                <a:spcPts val="300"/>
+              </a:spcAft>
+            </a:pPr>
+            <a:r>
+              <a:rPr lang="en-US" sz="1700" b="1" dirty="0" smtClean="0"/>
+              <a:t>Technologies used – </a:t>
+            </a:r>
+            <a:r>
+              <a:rPr lang="en-US" sz="1700" b="1" dirty="0" smtClean="0">
+                <a:solidFill>
+                  <a:srgbClr val="FF6600"/>
+                </a:solidFill>
+              </a:rPr>
+              <a:t>J2EE, Boot Strap </a:t>
+            </a:r>
+            <a:r>
+              <a:rPr lang="en-US" sz="1700" b="1" dirty="0"/>
+              <a:t>and</a:t>
+            </a:r>
+            <a:r>
+              <a:rPr lang="en-US" sz="1700" b="1" dirty="0" smtClean="0">
+                <a:solidFill>
+                  <a:srgbClr val="FF6600"/>
+                </a:solidFill>
+              </a:rPr>
+              <a:t> JQuery.</a:t>
+            </a:r>
+          </a:p>
+        </p:txBody>
+      </p:sp>
+      <p:pic>
+        <p:nvPicPr>
+          <p:cNvPr id="20" name="Picture 19"/>
+          <p:cNvPicPr/>
+          <p:nvPr/>
+        </p:nvPicPr>
+        <p:blipFill>
+          <a:blip r:embed="rId2" cstate="print">
+            <a:extLst>
+              <a:ext uri="{28A0092B-C50C-407E-A947-70E740481C1C}">
+                <a14:useLocalDpi xmlns:a14="http://schemas.microsoft.com/office/drawing/2010/main" val="0"/>
+              </a:ext>
+            </a:extLst>
+          </a:blip>
+          <a:srcRect/>
+          <a:stretch>
+            <a:fillRect/>
+          </a:stretch>
+        </p:blipFill>
+        <p:spPr bwMode="auto">
+          <a:xfrm>
+            <a:off x="8487295" y="1441879"/>
+            <a:ext cx="3591098" cy="2238585"/>
+          </a:xfrm>
+          <a:prstGeom prst="rect">
+            <a:avLst/>
+          </a:prstGeom>
+          <a:noFill/>
+          <a:ln>
+            <a:solidFill>
+              <a:schemeClr val="accent1"/>
+            </a:solidFill>
+          </a:ln>
+          <a:effectLst>
+            <a:outerShdw blurRad="50800" dist="38100" dir="2700000" algn="tl" rotWithShape="0">
+              <a:prstClr val="black">
+                <a:alpha val="40000"/>
+              </a:prstClr>
+            </a:outerShdw>
+          </a:effectLst>
+        </p:spPr>
+      </p:pic>
+      <p:pic>
+        <p:nvPicPr>
+          <p:cNvPr id="4" name="Picture 3"/>
+          <p:cNvPicPr>
+            <a:picLocks noChangeAspect="1"/>
+          </p:cNvPicPr>
+          <p:nvPr/>
+        </p:nvPicPr>
+        <p:blipFill>
+          <a:blip r:embed="rId3"/>
+          <a:stretch>
+            <a:fillRect/>
+          </a:stretch>
+        </p:blipFill>
+        <p:spPr>
+          <a:xfrm>
+            <a:off x="8488483" y="4200388"/>
+            <a:ext cx="3589910" cy="2229168"/>
+          </a:xfrm>
+          <a:prstGeom prst="rect">
+            <a:avLst/>
+          </a:prstGeom>
+          <a:ln>
+            <a:solidFill>
+              <a:schemeClr val="accent1"/>
+            </a:solidFill>
+          </a:ln>
+          <a:effectLst>
+            <a:outerShdw blurRad="50800" dist="38100" dir="2700000" algn="tl" rotWithShape="0">
+              <a:prstClr val="black">
+                <a:alpha val="40000"/>
+              </a:prstClr>
+            </a:outerShdw>
+          </a:effectLst>
+        </p:spPr>
+      </p:pic>
+      <p:sp>
+        <p:nvSpPr>
+          <p:cNvPr id="5" name="TextBox 4"/>
+          <p:cNvSpPr txBox="1"/>
+          <p:nvPr/>
+        </p:nvSpPr>
+        <p:spPr>
+          <a:xfrm>
+            <a:off x="8488483" y="3685207"/>
+            <a:ext cx="3589910" cy="276999"/>
+          </a:xfrm>
+          <a:prstGeom prst="rect">
+            <a:avLst/>
+          </a:prstGeom>
+          <a:noFill/>
+          <a:ln>
+            <a:noFill/>
+          </a:ln>
+          <a:effectLst/>
+        </p:spPr>
+        <p:txBody>
+          <a:bodyPr wrap="square" rtlCol="0">
+            <a:spAutoFit/>
+          </a:bodyPr>
+          <a:lstStyle/>
+          <a:p>
+            <a:pPr algn="ctr"/>
+            <a:r>
+              <a:rPr lang="en-IN" sz="1200" b="1" dirty="0">
+                <a:solidFill>
+                  <a:schemeClr val="accent1"/>
+                </a:solidFill>
+              </a:rPr>
+              <a:t>SANDESH</a:t>
+            </a:r>
+            <a:r>
+              <a:rPr lang="en-IN" sz="1200" b="1" dirty="0" smtClean="0">
+                <a:solidFill>
+                  <a:schemeClr val="accent1"/>
+                </a:solidFill>
+              </a:rPr>
+              <a:t> HOMEPAGE</a:t>
+            </a:r>
+            <a:endParaRPr lang="en-IN" sz="1200" b="1" dirty="0">
+              <a:solidFill>
+                <a:schemeClr val="accent1"/>
+              </a:solidFill>
+            </a:endParaRPr>
+          </a:p>
+        </p:txBody>
+      </p:sp>
+      <p:sp>
+        <p:nvSpPr>
+          <p:cNvPr id="8" name="TextBox 7"/>
+          <p:cNvSpPr txBox="1"/>
+          <p:nvPr/>
+        </p:nvSpPr>
+        <p:spPr>
+          <a:xfrm>
+            <a:off x="8488483" y="6434299"/>
+            <a:ext cx="3623372" cy="276999"/>
+          </a:xfrm>
+          <a:prstGeom prst="rect">
+            <a:avLst/>
+          </a:prstGeom>
+          <a:noFill/>
+          <a:ln>
+            <a:noFill/>
+          </a:ln>
+          <a:effectLst/>
+        </p:spPr>
+        <p:txBody>
+          <a:bodyPr wrap="square" rtlCol="0">
+            <a:spAutoFit/>
+          </a:bodyPr>
+          <a:lstStyle/>
+          <a:p>
+            <a:pPr algn="ctr"/>
+            <a:r>
+              <a:rPr lang="en-IN" sz="1200" b="1" dirty="0" smtClean="0">
+                <a:solidFill>
+                  <a:schemeClr val="accent1"/>
+                </a:solidFill>
+              </a:rPr>
+              <a:t>TA MODULE DASH BOARD</a:t>
+            </a:r>
+            <a:endParaRPr lang="en-IN" sz="1200" b="1" dirty="0">
+              <a:solidFill>
+                <a:schemeClr val="accent1"/>
+              </a:solidFill>
+            </a:endParaRPr>
+          </a:p>
+        </p:txBody>
+      </p:sp>
+      <p:sp>
+        <p:nvSpPr>
+          <p:cNvPr id="9" name="Rectangle 8"/>
+          <p:cNvSpPr/>
+          <p:nvPr/>
+        </p:nvSpPr>
+        <p:spPr>
+          <a:xfrm>
+            <a:off x="1529541" y="5872167"/>
+            <a:ext cx="6849349" cy="923330"/>
+          </a:xfrm>
+          <a:prstGeom prst="rect">
+            <a:avLst/>
+          </a:prstGeom>
+          <a:solidFill>
+            <a:schemeClr val="accent4">
+              <a:lumMod val="40000"/>
+              <a:lumOff val="60000"/>
+            </a:schemeClr>
+          </a:solidFill>
+        </p:spPr>
+        <p:txBody>
+          <a:bodyPr wrap="square">
+            <a:spAutoFit/>
+          </a:bodyPr>
+          <a:lstStyle/>
+          <a:p>
+            <a:pPr algn="ctr"/>
+            <a:r>
+              <a:rPr lang="en-US" b="1" dirty="0" smtClean="0">
+                <a:solidFill>
+                  <a:srgbClr val="006600"/>
+                </a:solidFill>
+              </a:rPr>
+              <a:t>After implementing this system </a:t>
+            </a:r>
+            <a:r>
+              <a:rPr lang="en-US" b="1" u="sng" dirty="0">
+                <a:solidFill>
+                  <a:srgbClr val="006600"/>
+                </a:solidFill>
+              </a:rPr>
+              <a:t>reduced queries/calls </a:t>
+            </a:r>
+            <a:r>
+              <a:rPr lang="en-US" b="1" dirty="0">
+                <a:solidFill>
+                  <a:srgbClr val="006600"/>
+                </a:solidFill>
+              </a:rPr>
+              <a:t>between administration areas and employees, </a:t>
+            </a:r>
+            <a:r>
+              <a:rPr lang="en-US" b="1" u="sng" dirty="0">
+                <a:solidFill>
+                  <a:srgbClr val="006600"/>
+                </a:solidFill>
+              </a:rPr>
+              <a:t>saved time/paper</a:t>
+            </a:r>
+            <a:r>
+              <a:rPr lang="en-US" b="1" dirty="0">
+                <a:solidFill>
+                  <a:srgbClr val="006600"/>
+                </a:solidFill>
+              </a:rPr>
+              <a:t>, provides </a:t>
+            </a:r>
+            <a:r>
+              <a:rPr lang="en-US" b="1" u="sng" dirty="0">
+                <a:solidFill>
+                  <a:srgbClr val="006600"/>
+                </a:solidFill>
+              </a:rPr>
+              <a:t>effective working environment</a:t>
+            </a:r>
+            <a:r>
+              <a:rPr lang="en-US" b="1" dirty="0">
+                <a:solidFill>
+                  <a:srgbClr val="006600"/>
+                </a:solidFill>
+              </a:rPr>
+              <a:t>.</a:t>
+            </a:r>
           </a:p>
         </p:txBody>
       </p:sp>
     </p:spTree>
     <p:extLst>
       <p:ext uri="{BB962C8B-B14F-4D97-AF65-F5344CB8AC3E}">
-        <p14:creationId xmlns:p14="http://schemas.microsoft.com/office/powerpoint/2010/main" val="2069012637"/>
+        <p14:creationId xmlns:p14="http://schemas.microsoft.com/office/powerpoint/2010/main" val="169037752"/>
       </p:ext>
     </p:extLst>
   </p:cSld>
@@ -13947,6 +15300,347 @@
         </p:nvSpPr>
         <p:spPr>
           <a:xfrm>
+            <a:off x="1679171" y="688691"/>
+            <a:ext cx="10532227" cy="549905"/>
+          </a:xfrm>
+        </p:spPr>
+        <p:txBody>
+          <a:bodyPr>
+            <a:noAutofit/>
+          </a:bodyPr>
+          <a:lstStyle/>
+          <a:p>
+            <a:r>
+              <a:rPr lang="en-IN" sz="3200" b="1" dirty="0" smtClean="0"/>
+              <a:t>Additional Activities</a:t>
+            </a:r>
+            <a:endParaRPr lang="en-IN" sz="3200" b="1" dirty="0"/>
+          </a:p>
+        </p:txBody>
+      </p:sp>
+      <p:sp>
+        <p:nvSpPr>
+          <p:cNvPr id="3" name="Content Placeholder 2"/>
+          <p:cNvSpPr>
+            <a:spLocks noGrp="1"/>
+          </p:cNvSpPr>
+          <p:nvPr>
+            <p:ph idx="1"/>
+          </p:nvPr>
+        </p:nvSpPr>
+        <p:spPr>
+          <a:xfrm>
+            <a:off x="1712423" y="1397976"/>
+            <a:ext cx="10075025" cy="5343645"/>
+          </a:xfrm>
+        </p:spPr>
+        <p:txBody>
+          <a:bodyPr>
+            <a:noAutofit/>
+          </a:bodyPr>
+          <a:lstStyle/>
+          <a:p>
+            <a:pPr>
+              <a:spcBef>
+                <a:spcPts val="300"/>
+              </a:spcBef>
+              <a:spcAft>
+                <a:spcPts val="300"/>
+              </a:spcAft>
+            </a:pPr>
+            <a:r>
+              <a:rPr lang="en-US" sz="2000" b="1" dirty="0" smtClean="0"/>
+              <a:t>As </a:t>
+            </a:r>
+            <a:r>
+              <a:rPr lang="en-US" sz="2000" b="1" dirty="0"/>
+              <a:t>a co-author submitted technical paper on ‘</a:t>
+            </a:r>
+            <a:r>
+              <a:rPr lang="en-US" sz="2000" b="1" dirty="0">
+                <a:solidFill>
+                  <a:schemeClr val="bg2">
+                    <a:lumMod val="50000"/>
+                  </a:schemeClr>
+                </a:solidFill>
+              </a:rPr>
+              <a:t>e-Governance Initiative in URSC - Automation of various Government-to-Employee (G2E) Services</a:t>
+            </a:r>
+            <a:r>
+              <a:rPr lang="en-US" sz="2000" b="1" dirty="0"/>
+              <a:t>’ to ISRO Seminar on Computer and Information Technology (ISCIT) – 2018 and same has been selected for oral presentation.</a:t>
+            </a:r>
+          </a:p>
+          <a:p>
+            <a:pPr>
+              <a:spcBef>
+                <a:spcPts val="300"/>
+              </a:spcBef>
+              <a:spcAft>
+                <a:spcPts val="300"/>
+              </a:spcAft>
+            </a:pPr>
+            <a:r>
+              <a:rPr lang="en-US" sz="2000" b="1" dirty="0"/>
+              <a:t>Designed, developed and demonstrated a </a:t>
+            </a:r>
+            <a:r>
+              <a:rPr lang="en-US" sz="2000" b="1" dirty="0">
+                <a:solidFill>
+                  <a:srgbClr val="FF6600"/>
+                </a:solidFill>
+              </a:rPr>
+              <a:t>prototype</a:t>
+            </a:r>
+            <a:r>
+              <a:rPr lang="en-US" sz="2000" b="1" dirty="0"/>
+              <a:t> model </a:t>
+            </a:r>
+            <a:r>
+              <a:rPr lang="en-US" sz="2000" b="1" dirty="0" smtClean="0"/>
+              <a:t>to </a:t>
+            </a:r>
+            <a:r>
+              <a:rPr lang="en-US" sz="2000" b="1" dirty="0"/>
+              <a:t>fetch </a:t>
+            </a:r>
+            <a:r>
+              <a:rPr lang="en-US" sz="2000" b="1" dirty="0" smtClean="0"/>
+              <a:t>data </a:t>
+            </a:r>
+            <a:r>
+              <a:rPr lang="en-US" sz="2000" b="1" dirty="0"/>
+              <a:t>from </a:t>
+            </a:r>
+            <a:r>
+              <a:rPr lang="en-US" sz="2000" b="1" dirty="0" smtClean="0">
+                <a:solidFill>
+                  <a:srgbClr val="FF6600"/>
+                </a:solidFill>
+              </a:rPr>
+              <a:t>distributed databases </a:t>
+            </a:r>
+            <a:r>
+              <a:rPr lang="en-US" sz="2000" b="1" dirty="0"/>
+              <a:t>over the network using latest </a:t>
+            </a:r>
+            <a:r>
+              <a:rPr lang="en-US" sz="2000" b="1" dirty="0">
+                <a:solidFill>
+                  <a:srgbClr val="FF6600"/>
+                </a:solidFill>
+              </a:rPr>
+              <a:t>SPRING-BOOT</a:t>
+            </a:r>
+            <a:r>
+              <a:rPr lang="en-US" sz="2000" b="1" dirty="0"/>
+              <a:t> Technology</a:t>
+            </a:r>
+            <a:r>
+              <a:rPr lang="en-US" sz="2000" b="1" dirty="0" smtClean="0"/>
+              <a:t>.</a:t>
+            </a:r>
+          </a:p>
+          <a:p>
+            <a:pPr marL="400050" lvl="1" indent="0">
+              <a:spcBef>
+                <a:spcPts val="300"/>
+              </a:spcBef>
+              <a:spcAft>
+                <a:spcPts val="300"/>
+              </a:spcAft>
+              <a:buNone/>
+            </a:pPr>
+            <a:r>
+              <a:rPr lang="en-US" sz="2000" b="1" dirty="0"/>
+              <a:t>This </a:t>
+            </a:r>
+            <a:r>
+              <a:rPr lang="en-US" sz="2000" b="1" dirty="0" smtClean="0"/>
+              <a:t>demonstrates data retrieved from across all </a:t>
+            </a:r>
+            <a:r>
+              <a:rPr lang="en-US" sz="2000" b="1" dirty="0"/>
+              <a:t>ISRO </a:t>
+            </a:r>
+            <a:r>
+              <a:rPr lang="en-US" sz="2000" b="1" dirty="0" smtClean="0"/>
+              <a:t>centers and processing at </a:t>
+            </a:r>
+            <a:r>
+              <a:rPr lang="en-US" sz="2000" b="1" dirty="0"/>
+              <a:t>a common server to extract </a:t>
+            </a:r>
+            <a:r>
+              <a:rPr lang="en-US" sz="2000" b="1" dirty="0" smtClean="0"/>
+              <a:t>desired </a:t>
+            </a:r>
+            <a:r>
+              <a:rPr lang="en-US" sz="2000" b="1" dirty="0"/>
+              <a:t>outcome which shall help management for decision making.</a:t>
+            </a:r>
+            <a:endParaRPr lang="en-US" sz="2000" b="1" dirty="0" smtClean="0"/>
+          </a:p>
+          <a:p>
+            <a:pPr>
+              <a:spcBef>
+                <a:spcPts val="300"/>
+              </a:spcBef>
+              <a:spcAft>
+                <a:spcPts val="300"/>
+              </a:spcAft>
+            </a:pPr>
+            <a:r>
+              <a:rPr lang="en-US" sz="2000" b="1" dirty="0"/>
+              <a:t>Implemented </a:t>
+            </a:r>
+            <a:r>
+              <a:rPr lang="en-US" sz="2000" b="1" dirty="0" smtClean="0">
+                <a:solidFill>
+                  <a:schemeClr val="bg2">
+                    <a:lumMod val="50000"/>
+                  </a:schemeClr>
+                </a:solidFill>
+              </a:rPr>
+              <a:t>software</a:t>
+            </a:r>
+            <a:r>
+              <a:rPr lang="en-US" sz="2000" b="1" dirty="0" smtClean="0"/>
+              <a:t> </a:t>
+            </a:r>
+            <a:r>
+              <a:rPr lang="en-US" sz="2000" b="1" dirty="0">
+                <a:solidFill>
+                  <a:schemeClr val="bg2">
+                    <a:lumMod val="50000"/>
+                  </a:schemeClr>
+                </a:solidFill>
+              </a:rPr>
+              <a:t>version control </a:t>
+            </a:r>
+            <a:r>
+              <a:rPr lang="en-US" sz="2000" b="1" dirty="0"/>
+              <a:t>system using </a:t>
+            </a:r>
+            <a:r>
+              <a:rPr lang="en-US" sz="2000" b="1" dirty="0" err="1">
+                <a:solidFill>
+                  <a:srgbClr val="FF6600"/>
+                </a:solidFill>
+              </a:rPr>
+              <a:t>Git</a:t>
+            </a:r>
+            <a:r>
+              <a:rPr lang="en-US" sz="2000" b="1" dirty="0">
+                <a:solidFill>
+                  <a:srgbClr val="FF6600"/>
+                </a:solidFill>
+              </a:rPr>
+              <a:t> </a:t>
+            </a:r>
+            <a:r>
+              <a:rPr lang="en-US" sz="2000" b="1" dirty="0"/>
+              <a:t>tool for all software developmental activities of MISD/PPEG, </a:t>
+            </a:r>
+            <a:r>
+              <a:rPr lang="en-US" sz="2000" b="1" dirty="0" smtClean="0"/>
+              <a:t>URSC.</a:t>
+            </a:r>
+          </a:p>
+          <a:p>
+            <a:pPr>
+              <a:spcBef>
+                <a:spcPts val="300"/>
+              </a:spcBef>
+              <a:spcAft>
+                <a:spcPts val="300"/>
+              </a:spcAft>
+            </a:pPr>
+            <a:r>
+              <a:rPr lang="en-US" sz="2000" b="1" dirty="0" smtClean="0"/>
+              <a:t>Responsible </a:t>
+            </a:r>
+            <a:r>
+              <a:rPr lang="en-US" sz="2000" b="1" dirty="0"/>
+              <a:t>for operation and maintenance </a:t>
+            </a:r>
+            <a:r>
+              <a:rPr lang="en-US" sz="2000" b="1" dirty="0" smtClean="0"/>
+              <a:t>support for finance</a:t>
+            </a:r>
+            <a:r>
+              <a:rPr lang="en-US" sz="2000" b="1" dirty="0"/>
+              <a:t>, accounts, </a:t>
+            </a:r>
+            <a:r>
+              <a:rPr lang="en-US" sz="2000" b="1" dirty="0" smtClean="0"/>
+              <a:t>payroll, purchase </a:t>
+            </a:r>
+            <a:r>
+              <a:rPr lang="en-US" sz="2000" b="1" dirty="0"/>
+              <a:t>and stores </a:t>
+            </a:r>
+            <a:r>
+              <a:rPr lang="en-US" sz="2000" b="1" dirty="0" smtClean="0"/>
+              <a:t>related </a:t>
+            </a:r>
+            <a:r>
+              <a:rPr lang="en-US" sz="2000" b="1" dirty="0"/>
+              <a:t>modules of COINS.</a:t>
+            </a:r>
+            <a:endParaRPr lang="en-IN" sz="2000" b="1" dirty="0"/>
+          </a:p>
+        </p:txBody>
+      </p:sp>
+    </p:spTree>
+    <p:extLst>
+      <p:ext uri="{BB962C8B-B14F-4D97-AF65-F5344CB8AC3E}">
+        <p14:creationId xmlns:p14="http://schemas.microsoft.com/office/powerpoint/2010/main" val="2069012637"/>
+      </p:ext>
+    </p:extLst>
+  </p:cSld>
+  <p:clrMapOvr>
+    <a:masterClrMapping/>
+  </p:clrMapOvr>
+  <p:timing>
+    <p:tnLst>
+      <p:par>
+        <p:cTn id="1" dur="indefinite" restart="never" nodeType="tmRoot"/>
+      </p:par>
+    </p:tnLst>
+  </p:timing>
+</p:sld>
+</file>
+
+<file path=ppt/slides/slide8.xml><?xml version="1.0" encoding="utf-8"?>
+<p:sld xmlns:a="http://schemas.openxmlformats.org/drawingml/2006/main" xmlns:r="http://schemas.openxmlformats.org/officeDocument/2006/relationships" xmlns:p="http://schemas.openxmlformats.org/presentationml/2006/main">
+  <p:cSld>
+    <p:spTree>
+      <p:nvGrpSpPr>
+        <p:cNvPr id="1" name=""/>
+        <p:cNvGrpSpPr/>
+        <p:nvPr/>
+      </p:nvGrpSpPr>
+      <p:grpSpPr>
+        <a:xfrm>
+          <a:off x="0" y="0"/>
+          <a:ext cx="0" cy="0"/>
+          <a:chOff x="0" y="0"/>
+          <a:chExt cx="0" cy="0"/>
+        </a:xfrm>
+      </p:grpSpPr>
+      <p:sp>
+        <p:nvSpPr>
+          <p:cNvPr id="2" name="Title 1"/>
+          <p:cNvSpPr>
+            <a:spLocks noGrp="1"/>
+          </p:cNvSpPr>
+          <p:nvPr>
+            <p:ph type="title"/>
+          </p:nvPr>
+        </p:nvSpPr>
+        <p:spPr>
+          <a:xfrm>
             <a:off x="1679172" y="687635"/>
             <a:ext cx="10582103" cy="549905"/>
           </a:xfrm>
@@ -13996,24 +15690,41 @@
             </a:pPr>
             <a:r>
               <a:rPr lang="en-US" sz="2000" b="1" dirty="0"/>
-              <a:t>As an ‘Engineer In-charge, Telephones’ responsible for providing </a:t>
-            </a:r>
-            <a:r>
-              <a:rPr lang="en-US" sz="2000" b="1" dirty="0">
-                <a:solidFill>
-                  <a:srgbClr val="FF6600"/>
-                </a:solidFill>
-              </a:rPr>
-              <a:t>continuous voice communication services</a:t>
+              <a:t>As </a:t>
+            </a:r>
+            <a:r>
+              <a:rPr lang="en-US" sz="2000" b="1"/>
+              <a:t>an </a:t>
+            </a:r>
+            <a:r>
+              <a:rPr lang="en-US" sz="2000" b="1" smtClean="0"/>
+              <a:t>Engineer </a:t>
             </a:r>
             <a:r>
               <a:rPr lang="en-US" sz="2000" b="1" dirty="0"/>
-              <a:t> at URSC campuses</a:t>
+              <a:t>In-charge</a:t>
+            </a:r>
+            <a:r>
+              <a:rPr lang="en-US" sz="2000" b="1"/>
+              <a:t>, </a:t>
+            </a:r>
+            <a:r>
+              <a:rPr lang="en-US" sz="2000" b="1" smtClean="0"/>
+              <a:t>Telephones </a:t>
             </a:r>
             <a:r>
               <a:rPr lang="en-US" sz="2000" b="1" dirty="0" smtClean="0"/>
-              <a:t>.</a:t>
-            </a:r>
+              <a:t>responsible </a:t>
+            </a:r>
+            <a:r>
+              <a:rPr lang="en-US" sz="2000" b="1" dirty="0"/>
+              <a:t>for planning, augmentation, replacement and maintenance of all telecommunication related activities of the </a:t>
+            </a:r>
+            <a:r>
+              <a:rPr lang="en-US" sz="2000" b="1" dirty="0" smtClean="0"/>
+              <a:t>centre.</a:t>
+            </a:r>
+            <a:endParaRPr lang="en-US" sz="2000" b="1" dirty="0"/>
           </a:p>
           <a:p>
             <a:pPr>
@@ -14025,26 +15736,20 @@
               </a:spcAft>
             </a:pPr>
             <a:r>
-              <a:rPr lang="en-US" sz="2000" b="1" dirty="0" smtClean="0"/>
-              <a:t>Responsible </a:t>
-            </a:r>
-            <a:r>
               <a:rPr lang="en-US" sz="2000" b="1" dirty="0"/>
-              <a:t>for </a:t>
+              <a:t>Realization of </a:t>
             </a:r>
             <a:r>
               <a:rPr lang="en-US" sz="2000" b="1" dirty="0">
                 <a:solidFill>
-                  <a:schemeClr val="bg2">
-                    <a:lumMod val="50000"/>
-                  </a:schemeClr>
+                  <a:srgbClr val="FF6600"/>
                 </a:solidFill>
               </a:rPr>
-              <a:t>maintenance and ensure stability </a:t>
+              <a:t>upgradation and augmentation </a:t>
             </a:r>
             <a:r>
               <a:rPr lang="en-US" sz="2000" b="1" dirty="0"/>
-              <a:t>for day to day operations of the Electronic Private Automatic Branch Exchange (EPABX) systems.</a:t>
+              <a:t>in URSC/ISITE EPABX systems.</a:t>
             </a:r>
           </a:p>
           <a:p>
@@ -14058,29 +15763,36 @@
             </a:pPr>
             <a:r>
               <a:rPr lang="en-US" sz="2000" b="1" dirty="0" smtClean="0"/>
-              <a:t>Realization </a:t>
+              <a:t>Ensuring </a:t>
+            </a:r>
+            <a:r>
+              <a:rPr lang="en-US" sz="2000" b="1" dirty="0" smtClean="0">
+                <a:solidFill>
+                  <a:srgbClr val="FF6600"/>
+                </a:solidFill>
+              </a:rPr>
+              <a:t>continuous </a:t>
+            </a:r>
+            <a:r>
+              <a:rPr lang="en-US" sz="2000" b="1" dirty="0">
+                <a:solidFill>
+                  <a:srgbClr val="FF6600"/>
+                </a:solidFill>
+              </a:rPr>
+              <a:t>voice communication services</a:t>
             </a:r>
             <a:r>
               <a:rPr lang="en-US" sz="2000" b="1" dirty="0"/>
-              <a:t>of </a:t>
-            </a:r>
-            <a:r>
-              <a:rPr lang="en-US" sz="2000" b="1" dirty="0">
-                <a:solidFill>
-                  <a:srgbClr val="FF6600"/>
-                </a:solidFill>
-              </a:rPr>
-              <a:t>upgradation and augmentation </a:t>
+              <a:t> </a:t>
+            </a:r>
+            <a:r>
+              <a:rPr lang="en-US" sz="2000" b="1" dirty="0" smtClean="0"/>
+              <a:t>through Electronic </a:t>
             </a:r>
             <a:r>
               <a:rPr lang="en-US" sz="2000" b="1" dirty="0"/>
-              <a:t>in URSC/ISITE EPABX </a:t>
-            </a:r>
-            <a:r>
-              <a:rPr lang="en-US" sz="2000" b="1" dirty="0" smtClean="0"/>
-              <a:t>systems.</a:t>
-            </a:r>
-            <a:endParaRPr lang="en-US" sz="2000" b="1" dirty="0"/>
+              <a:t>Private Automatic Branch Exchange (EPABX) systems.</a:t>
+            </a:r>
           </a:p>
           <a:p>
             <a:pPr>
@@ -14139,11 +15851,11 @@
                   <a:srgbClr val="FF6600"/>
                 </a:solidFill>
               </a:rPr>
-              <a:t>₹35 lakhs</a:t>
+              <a:t>₹35 lakhs </a:t>
             </a:r>
             <a:r>
               <a:rPr lang="en-US" sz="2000" b="1" dirty="0"/>
-              <a:t> to organization</a:t>
+              <a:t>to organization</a:t>
             </a:r>
             <a:r>
               <a:rPr lang="en-US" sz="2000" b="1" dirty="0" smtClean="0"/>
@@ -14267,7 +15979,7 @@
 </p:sld>
 </file>
 
-<file path=ppt/slides/slide8.xml><?xml version="1.0" encoding="utf-8"?>
+<file path=ppt/slides/slide9.xml><?xml version="1.0" encoding="utf-8"?>
 <p:sld xmlns:a="http://schemas.openxmlformats.org/drawingml/2006/main" xmlns:r="http://schemas.openxmlformats.org/officeDocument/2006/relationships" xmlns:p="http://schemas.openxmlformats.org/presentationml/2006/main">
   <p:cSld>
     <p:spTree>
@@ -14830,4 +16542,265 @@
     </a:ext>
   </a:extLst>
 </a:theme>
+</file>
+
+<file path=ppt/theme/theme3.xml><?xml version="1.0" encoding="utf-8"?>
+<a:theme xmlns:a="http://schemas.openxmlformats.org/drawingml/2006/main" name="Office Theme">
+  <a:themeElements>
+    <a:clrScheme name="Office">
+      <a:dk1>
+        <a:sysClr val="windowText" lastClr="000000"/>
+      </a:dk1>
+      <a:lt1>
+        <a:sysClr val="window" lastClr="FFFFFF"/>
+      </a:lt1>
+      <a:dk2>
+        <a:srgbClr val="44546A"/>
+      </a:dk2>
+      <a:lt2>
+        <a:srgbClr val="E7E6E6"/>
+      </a:lt2>
+      <a:accent1>
+        <a:srgbClr val="5B9BD5"/>
+      </a:accent1>
+      <a:accent2>
+        <a:srgbClr val="ED7D31"/>
+      </a:accent2>
+      <a:accent3>
+        <a:srgbClr val="A5A5A5"/>
+      </a:accent3>
+      <a:accent4>
+        <a:srgbClr val="FFC000"/>
+      </a:accent4>
+      <a:accent5>
+        <a:srgbClr val="4472C4"/>
+      </a:accent5>
+      <a:accent6>
+        <a:srgbClr val="70AD47"/>
+      </a:accent6>
+      <a:hlink>
+        <a:srgbClr val="0563C1"/>
+      </a:hlink>
+      <a:folHlink>
+        <a:srgbClr val="954F72"/>
+      </a:folHlink>
+    </a:clrScheme>
+    <a:fontScheme name="Office">
+      <a:majorFont>
+        <a:latin typeface="Calibri Light" panose="020F0302020204030204"/>
+        <a:ea typeface=""/>
+        <a:cs typeface=""/>
+        <a:font script="Jpan" typeface="游ゴシック Light"/>
+        <a:font script="Hang" typeface="맑은 고딕"/>
+        <a:font script="Hans" typeface="等线 Light"/>
+        <a:font script="Hant" typeface="新細明體"/>
+        <a:font script="Arab" typeface="Times New Roman"/>
+        <a:font script="Hebr" typeface="Times New Roman"/>
+        <a:font script="Thai" typeface="Angsana New"/>
+        <a:font script="Ethi" typeface="Nyala"/>
+        <a:font script="Beng" typeface="Vrinda"/>
+        <a:font script="Gujr" typeface="Shruti"/>
+        <a:font script="Khmr" typeface="MoolBoran"/>
+        <a:font script="Knda" typeface="Tunga"/>
+        <a:font script="Guru" typeface="Raavi"/>
+        <a:font script="Cans" typeface="Euphemia"/>
+        <a:font script="Cher" typeface="Plantagenet Cherokee"/>
+        <a:font script="Yiii" typeface="Microsoft Yi Baiti"/>
+        <a:font script="Tibt" typeface="Microsoft Himalaya"/>
+        <a:font script="Thaa" typeface="MV Boli"/>
+        <a:font script="Deva" typeface="Mangal"/>
+        <a:font script="Telu" typeface="Gautami"/>
+        <a:font script="Taml" typeface="Latha"/>
+        <a:font script="Syrc" typeface="Estrangelo Edessa"/>
+        <a:font script="Orya" typeface="Kalinga"/>
+        <a:font script="Mlym" typeface="Kartika"/>
+        <a:font script="Laoo" typeface="DokChampa"/>
+        <a:font script="Sinh" typeface="Iskoola Pota"/>
+        <a:font script="Mong" typeface="Mongolian Baiti"/>
+        <a:font script="Viet" typeface="Times New Roman"/>
+        <a:font script="Uigh" typeface="Microsoft Uighur"/>
+        <a:font script="Geor" typeface="Sylfaen"/>
+      </a:majorFont>
+      <a:minorFont>
+        <a:latin typeface="Calibri" panose="020F0502020204030204"/>
+        <a:ea typeface=""/>
+        <a:cs typeface=""/>
+        <a:font script="Jpan" typeface="游ゴシック"/>
+        <a:font script="Hang" typeface="맑은 고딕"/>
+        <a:font script="Hans" typeface="等线"/>
+        <a:font script="Hant" typeface="新細明體"/>
+        <a:font script="Arab" typeface="Arial"/>
+        <a:font script="Hebr" typeface="Arial"/>
+        <a:font script="Thai" typeface="Cordia New"/>
+        <a:font script="Ethi" typeface="Nyala"/>
+        <a:font script="Beng" typeface="Vrinda"/>
+        <a:font script="Gujr" typeface="Shruti"/>
+        <a:font script="Khmr" typeface="DaunPenh"/>
+        <a:font script="Knda" typeface="Tunga"/>
+        <a:font script="Guru" typeface="Raavi"/>
+        <a:font script="Cans" typeface="Euphemia"/>
+        <a:font script="Cher" typeface="Plantagenet Cherokee"/>
+        <a:font script="Yiii" typeface="Microsoft Yi Baiti"/>
+        <a:font script="Tibt" typeface="Microsoft Himalaya"/>
+        <a:font script="Thaa" typeface="MV Boli"/>
+        <a:font script="Deva" typeface="Mangal"/>
+        <a:font script="Telu" typeface="Gautami"/>
+        <a:font script="Taml" typeface="Latha"/>
+        <a:font script="Syrc" typeface="Estrangelo Edessa"/>
+        <a:font script="Orya" typeface="Kalinga"/>
+        <a:font script="Mlym" typeface="Kartika"/>
+        <a:font script="Laoo" typeface="DokChampa"/>
+        <a:font script="Sinh" typeface="Iskoola Pota"/>
+        <a:font script="Mong" typeface="Mongolian Baiti"/>
+        <a:font script="Viet" typeface="Arial"/>
+        <a:font script="Uigh" typeface="Microsoft Uighur"/>
+        <a:font script="Geor" typeface="Sylfaen"/>
+      </a:minorFont>
+    </a:fontScheme>
+    <a:fmtScheme name="Office">
+      <a:fillStyleLst>
+        <a:solidFill>
+          <a:schemeClr val="phClr"/>
+        </a:solidFill>
+        <a:gradFill rotWithShape="1">
+          <a:gsLst>
+            <a:gs pos="0">
+              <a:schemeClr val="phClr">
+                <a:lumMod val="110000"/>
+                <a:satMod val="105000"/>
+                <a:tint val="67000"/>
+              </a:schemeClr>
+            </a:gs>
+            <a:gs pos="50000">
+              <a:schemeClr val="phClr">
+                <a:lumMod val="105000"/>
+                <a:satMod val="103000"/>
+                <a:tint val="73000"/>
+              </a:schemeClr>
+            </a:gs>
+            <a:gs pos="100000">
+              <a:schemeClr val="phClr">
+                <a:lumMod val="105000"/>
+                <a:satMod val="109000"/>
+                <a:tint val="81000"/>
+              </a:schemeClr>
+            </a:gs>
+          </a:gsLst>
+          <a:lin ang="5400000" scaled="0"/>
+        </a:gradFill>
+        <a:gradFill rotWithShape="1">
+          <a:gsLst>
+            <a:gs pos="0">
+              <a:schemeClr val="phClr">
+                <a:satMod val="103000"/>
+                <a:lumMod val="102000"/>
+                <a:tint val="94000"/>
+              </a:schemeClr>
+            </a:gs>
+            <a:gs pos="50000">
+              <a:schemeClr val="phClr">
+                <a:satMod val="110000"/>
+                <a:lumMod val="100000"/>
+                <a:shade val="100000"/>
+              </a:schemeClr>
+            </a:gs>
+            <a:gs pos="100000">
+              <a:schemeClr val="phClr">
+                <a:lumMod val="99000"/>
+                <a:satMod val="120000"/>
+                <a:shade val="78000"/>
+              </a:schemeClr>
+            </a:gs>
+          </a:gsLst>
+          <a:lin ang="5400000" scaled="0"/>
+        </a:gradFill>
+      </a:fillStyleLst>
+      <a:lnStyleLst>
+        <a:ln w="6350" cap="flat" cmpd="sng" algn="ctr">
+          <a:solidFill>
+            <a:schemeClr val="phClr"/>
+          </a:solidFill>
+          <a:prstDash val="solid"/>
+          <a:miter lim="800000"/>
+        </a:ln>
+        <a:ln w="12700" cap="flat" cmpd="sng" algn="ctr">
+          <a:solidFill>
+            <a:schemeClr val="phClr"/>
+          </a:solidFill>
+          <a:prstDash val="solid"/>
+          <a:miter lim="800000"/>
+        </a:ln>
+        <a:ln w="19050" cap="flat" cmpd="sng" algn="ctr">
+          <a:solidFill>
+            <a:schemeClr val="phClr"/>
+          </a:solidFill>
+          <a:prstDash val="solid"/>
+          <a:miter lim="800000"/>
+        </a:ln>
+      </a:lnStyleLst>
+      <a:effectStyleLst>
+        <a:effectStyle>
+          <a:effectLst/>
+        </a:effectStyle>
+        <a:effectStyle>
+          <a:effectLst/>
+        </a:effectStyle>
+        <a:effectStyle>
+          <a:effectLst>
+            <a:outerShdw blurRad="57150" dist="19050" dir="5400000" algn="ctr" rotWithShape="0">
+              <a:srgbClr val="000000">
+                <a:alpha val="63000"/>
+              </a:srgbClr>
+            </a:outerShdw>
+          </a:effectLst>
+        </a:effectStyle>
+      </a:effectStyleLst>
+      <a:bgFillStyleLst>
+        <a:solidFill>
+          <a:schemeClr val="phClr"/>
+        </a:solidFill>
+        <a:solidFill>
+          <a:schemeClr val="phClr">
+            <a:tint val="95000"/>
+            <a:satMod val="170000"/>
+          </a:schemeClr>
+        </a:solidFill>
+        <a:gradFill rotWithShape="1">
+          <a:gsLst>
+            <a:gs pos="0">
+              <a:schemeClr val="phClr">
+                <a:tint val="93000"/>
+                <a:satMod val="150000"/>
+                <a:shade val="98000"/>
+                <a:lumMod val="102000"/>
+              </a:schemeClr>
+            </a:gs>
+            <a:gs pos="50000">
+              <a:schemeClr val="phClr">
+                <a:tint val="98000"/>
+                <a:satMod val="130000"/>
+                <a:shade val="90000"/>
+                <a:lumMod val="103000"/>
+              </a:schemeClr>
+            </a:gs>
+            <a:gs pos="100000">
+              <a:schemeClr val="phClr">
+                <a:shade val="63000"/>
+                <a:satMod val="120000"/>
+              </a:schemeClr>
+            </a:gs>
+          </a:gsLst>
+          <a:lin ang="5400000" scaled="0"/>
+        </a:gradFill>
+      </a:bgFillStyleLst>
+    </a:fmtScheme>
+  </a:themeElements>
+  <a:objectDefaults/>
+  <a:extraClrSchemeLst/>
+  <a:extLst>
+    <a:ext uri="{05A4C25C-085E-4340-85A3-A5531E510DB2}">
+      <thm15:themeFamily xmlns:thm15="http://schemas.microsoft.com/office/thememl/2012/main" name="Office Theme" id="{62F939B6-93AF-4DB8-9C6B-D6C7DFDC589F}" vid="{4A3C46E8-61CC-4603-A589-7422A47A8E4A}"/>
+    </a:ext>
+  </a:extLst>
+</a:theme>
 </file>